--- a/presentazione/presentazione_hypebest2.pptx
+++ b/presentazione/presentazione_hypebest2.pptx
@@ -3514,7 +3514,7 @@
             <a:pPr rtl="0"/>
             <a:fld id="{908252B0-110B-41C3-A919-378EF57AC5F3}" type="datetime1">
               <a:rPr lang="it-IT" smtClean="0"/>
-              <a:t>20/05/2022</a:t>
+              <a:t>22/05/2022</a:t>
             </a:fld>
             <a:endParaRPr lang="it-IT"/>
           </a:p>
@@ -3696,7 +3696,7 @@
             <a:fld id="{E91A8072-AB5C-401E-9F2D-ADB45AE59072}" type="datetime1">
               <a:rPr lang="it-IT" smtClean="0"/>
               <a:pPr/>
-              <a:t>20/05/2022</a:t>
+              <a:t>22/05/2022</a:t>
             </a:fld>
             <a:endParaRPr lang="it-IT" dirty="0"/>
           </a:p>
@@ -6088,7 +6088,7 @@
             <a:fld id="{B61BEF0D-F0BB-DE4B-95CE-6DB70DBA9567}" type="datetimeFigureOut">
               <a:rPr lang="en-US" smtClean="0"/>
               <a:pPr/>
-              <a:t>5/20/2022</a:t>
+              <a:t>5/22/2022</a:t>
             </a:fld>
             <a:endParaRPr lang="en-US" dirty="0"/>
           </a:p>
@@ -9809,13 +9809,13 @@
   <p:clrMapOvr>
     <a:masterClrMapping/>
   </p:clrMapOvr>
-  <mc:AlternateContent xmlns:mc="http://schemas.openxmlformats.org/markup-compatibility/2006">
-    <mc:Choice xmlns:p14="http://schemas.microsoft.com/office/powerpoint/2010/main" Requires="p14">
+  <mc:AlternateContent xmlns:mc="http://schemas.openxmlformats.org/markup-compatibility/2006" xmlns:p14="http://schemas.microsoft.com/office/powerpoint/2010/main">
+    <mc:Choice Requires="p14">
       <p:transition spd="slow" p14:dur="1500">
         <p:split orient="vert"/>
       </p:transition>
     </mc:Choice>
-    <mc:Fallback>
+    <mc:Fallback xmlns="">
       <p:transition spd="slow">
         <p:split orient="vert"/>
       </p:transition>
@@ -9992,13 +9992,13 @@
   <p:clrMapOvr>
     <a:masterClrMapping/>
   </p:clrMapOvr>
-  <mc:AlternateContent xmlns:mc="http://schemas.openxmlformats.org/markup-compatibility/2006">
-    <mc:Choice xmlns:p15="http://schemas.microsoft.com/office/powerpoint/2012/main" Requires="p15">
+  <mc:AlternateContent xmlns:mc="http://schemas.openxmlformats.org/markup-compatibility/2006" xmlns:p15="http://schemas.microsoft.com/office/powerpoint/2012/main">
+    <mc:Choice Requires="p15">
       <p:transition xmlns:p14="http://schemas.microsoft.com/office/powerpoint/2010/main" spd="slow" p14:dur="1250">
         <p15:prstTrans prst="peelOff"/>
       </p:transition>
     </mc:Choice>
-    <mc:Fallback>
+    <mc:Fallback xmlns="">
       <p:transition spd="slow">
         <p:fade/>
       </p:transition>
@@ -10147,13 +10147,13 @@
   <p:clrMapOvr>
     <a:masterClrMapping/>
   </p:clrMapOvr>
-  <mc:AlternateContent xmlns:mc="http://schemas.openxmlformats.org/markup-compatibility/2006">
-    <mc:Choice xmlns:p15="http://schemas.microsoft.com/office/powerpoint/2012/main" Requires="p15">
+  <mc:AlternateContent xmlns:mc="http://schemas.openxmlformats.org/markup-compatibility/2006" xmlns:p15="http://schemas.microsoft.com/office/powerpoint/2012/main">
+    <mc:Choice Requires="p15">
       <p:transition xmlns:p14="http://schemas.microsoft.com/office/powerpoint/2010/main" spd="slow" p14:dur="1250">
         <p15:prstTrans prst="peelOff"/>
       </p:transition>
     </mc:Choice>
-    <mc:Fallback>
+    <mc:Fallback xmlns="">
       <p:transition spd="slow">
         <p:fade/>
       </p:transition>
@@ -10403,13 +10403,13 @@
   <p:clrMapOvr>
     <a:masterClrMapping/>
   </p:clrMapOvr>
-  <mc:AlternateContent xmlns:mc="http://schemas.openxmlformats.org/markup-compatibility/2006">
-    <mc:Choice xmlns:p15="http://schemas.microsoft.com/office/powerpoint/2012/main" Requires="p15">
+  <mc:AlternateContent xmlns:mc="http://schemas.openxmlformats.org/markup-compatibility/2006" xmlns:p15="http://schemas.microsoft.com/office/powerpoint/2012/main">
+    <mc:Choice Requires="p15">
       <p:transition xmlns:p14="http://schemas.microsoft.com/office/powerpoint/2010/main" spd="slow" p14:dur="1250">
         <p15:prstTrans prst="peelOff"/>
       </p:transition>
     </mc:Choice>
-    <mc:Fallback>
+    <mc:Fallback xmlns="">
       <p:transition spd="slow">
         <p:fade/>
       </p:transition>
@@ -10550,49 +10550,61 @@
       </p:pic>
       <p:pic>
         <p:nvPicPr>
-          <p:cNvPr id="2050" name="Picture 2">
+          <p:cNvPr id="4" name="Immagine 3">
             <a:extLst>
               <a:ext uri="{FF2B5EF4-FFF2-40B4-BE49-F238E27FC236}">
-                <a16:creationId xmlns:a16="http://schemas.microsoft.com/office/drawing/2014/main" id="{7EEE8CA6-3E4A-0E04-778F-B264CA0C1F3F}"/>
+                <a16:creationId xmlns:a16="http://schemas.microsoft.com/office/drawing/2014/main" id="{C1C0BC03-B4DD-09F0-5C2F-ABD1BFF16B8E}"/>
               </a:ext>
             </a:extLst>
           </p:cNvPr>
           <p:cNvPicPr>
-            <a:picLocks noChangeAspect="1" noChangeArrowheads="1"/>
+            <a:picLocks noChangeAspect="1"/>
+          </p:cNvPicPr>
+          <p:nvPr/>
+        </p:nvPicPr>
+        <p:blipFill rotWithShape="1">
+          <a:blip r:embed="rId4"/>
+          <a:srcRect l="18828" t="17198" r="19799" b="15667"/>
+          <a:stretch/>
+        </p:blipFill>
+        <p:spPr>
+          <a:xfrm>
+            <a:off x="6610927" y="1574173"/>
+            <a:ext cx="5284486" cy="2791000"/>
+          </a:xfrm>
+          <a:prstGeom prst="rect">
+            <a:avLst/>
+          </a:prstGeom>
+        </p:spPr>
+      </p:pic>
+      <p:pic>
+        <p:nvPicPr>
+          <p:cNvPr id="7" name="Immagine 6">
+            <a:extLst>
+              <a:ext uri="{FF2B5EF4-FFF2-40B4-BE49-F238E27FC236}">
+                <a16:creationId xmlns:a16="http://schemas.microsoft.com/office/drawing/2014/main" id="{F8909EBA-0575-B3AF-50CF-17C9B30D3054}"/>
+              </a:ext>
+            </a:extLst>
+          </p:cNvPr>
+          <p:cNvPicPr>
+            <a:picLocks noChangeAspect="1"/>
           </p:cNvPicPr>
           <p:nvPr/>
         </p:nvPicPr>
         <p:blipFill>
-          <a:blip r:embed="rId4">
-            <a:extLst>
-              <a:ext uri="{28A0092B-C50C-407E-A947-70E740481C1C}">
-                <a14:useLocalDpi xmlns:a14="http://schemas.microsoft.com/office/drawing/2010/main" val="0"/>
-              </a:ext>
-            </a:extLst>
-          </a:blip>
-          <a:srcRect/>
+          <a:blip r:embed="rId5"/>
           <a:stretch>
             <a:fillRect/>
           </a:stretch>
         </p:blipFill>
-        <p:spPr bwMode="auto">
+        <p:spPr>
           <a:xfrm>
-            <a:off x="4757760" y="1638924"/>
-            <a:ext cx="5865141" cy="2961379"/>
+            <a:off x="3989735" y="460516"/>
+            <a:ext cx="2586621" cy="5018314"/>
           </a:xfrm>
           <a:prstGeom prst="rect">
             <a:avLst/>
           </a:prstGeom>
-          <a:noFill/>
-          <a:extLst>
-            <a:ext uri="{909E8E84-426E-40DD-AFC4-6F175D3DCCD1}">
-              <a14:hiddenFill xmlns:a14="http://schemas.microsoft.com/office/drawing/2010/main">
-                <a:solidFill>
-                  <a:srgbClr val="FFFFFF"/>
-                </a:solidFill>
-              </a14:hiddenFill>
-            </a:ext>
-          </a:extLst>
         </p:spPr>
       </p:pic>
     </p:spTree>
@@ -10605,13 +10617,13 @@
   <p:clrMapOvr>
     <a:masterClrMapping/>
   </p:clrMapOvr>
-  <mc:AlternateContent xmlns:mc="http://schemas.openxmlformats.org/markup-compatibility/2006">
-    <mc:Choice xmlns:p15="http://schemas.microsoft.com/office/powerpoint/2012/main" Requires="p15">
+  <mc:AlternateContent xmlns:mc="http://schemas.openxmlformats.org/markup-compatibility/2006" xmlns:p15="http://schemas.microsoft.com/office/powerpoint/2012/main">
+    <mc:Choice Requires="p15">
       <p:transition xmlns:p14="http://schemas.microsoft.com/office/powerpoint/2010/main" spd="slow" p14:dur="1250">
         <p15:prstTrans prst="peelOff"/>
       </p:transition>
     </mc:Choice>
-    <mc:Fallback>
+    <mc:Fallback xmlns="">
       <p:transition spd="slow">
         <p:fade/>
       </p:transition>
@@ -10757,13 +10769,13 @@
   <p:clrMapOvr>
     <a:masterClrMapping/>
   </p:clrMapOvr>
-  <mc:AlternateContent xmlns:mc="http://schemas.openxmlformats.org/markup-compatibility/2006">
-    <mc:Choice xmlns:p14="http://schemas.microsoft.com/office/powerpoint/2010/main" Requires="p14">
+  <mc:AlternateContent xmlns:mc="http://schemas.openxmlformats.org/markup-compatibility/2006" xmlns:p14="http://schemas.microsoft.com/office/powerpoint/2010/main">
+    <mc:Choice Requires="p14">
       <p:transition spd="slow" p14:dur="3400">
         <p14:reveal/>
       </p:transition>
     </mc:Choice>
-    <mc:Fallback>
+    <mc:Fallback xmlns="">
       <p:transition spd="slow">
         <p:fade/>
       </p:transition>
@@ -11455,13 +11467,13 @@
   <p:clrMapOvr>
     <a:masterClrMapping/>
   </p:clrMapOvr>
-  <mc:AlternateContent xmlns:mc="http://schemas.openxmlformats.org/markup-compatibility/2006">
-    <mc:Choice xmlns:p14="http://schemas.microsoft.com/office/powerpoint/2010/main" Requires="p14">
+  <mc:AlternateContent xmlns:mc="http://schemas.openxmlformats.org/markup-compatibility/2006" xmlns:p14="http://schemas.microsoft.com/office/powerpoint/2010/main">
+    <mc:Choice Requires="p14">
       <p:transition spd="slow" p14:dur="1250">
         <p14:switch dir="r"/>
       </p:transition>
     </mc:Choice>
-    <mc:Fallback>
+    <mc:Fallback xmlns="">
       <p:transition spd="slow">
         <p:fade/>
       </p:transition>
@@ -11723,6 +11735,66 @@
           </a:fontRef>
         </p:style>
       </p:cxnSp>
+      <p:pic>
+        <p:nvPicPr>
+          <p:cNvPr id="4" name="Immagine 3">
+            <a:extLst>
+              <a:ext uri="{FF2B5EF4-FFF2-40B4-BE49-F238E27FC236}">
+                <a16:creationId xmlns:a16="http://schemas.microsoft.com/office/drawing/2014/main" id="{0981EAD3-FFA3-A606-8DCC-08262F398145}"/>
+              </a:ext>
+            </a:extLst>
+          </p:cNvPr>
+          <p:cNvPicPr>
+            <a:picLocks noChangeAspect="1"/>
+          </p:cNvPicPr>
+          <p:nvPr/>
+        </p:nvPicPr>
+        <p:blipFill>
+          <a:blip r:embed="rId6"/>
+          <a:stretch>
+            <a:fillRect/>
+          </a:stretch>
+        </p:blipFill>
+        <p:spPr>
+          <a:xfrm>
+            <a:off x="6436896" y="1303942"/>
+            <a:ext cx="5432166" cy="2625547"/>
+          </a:xfrm>
+          <a:prstGeom prst="rect">
+            <a:avLst/>
+          </a:prstGeom>
+        </p:spPr>
+      </p:pic>
+      <p:pic>
+        <p:nvPicPr>
+          <p:cNvPr id="6" name="Immagine 5">
+            <a:extLst>
+              <a:ext uri="{FF2B5EF4-FFF2-40B4-BE49-F238E27FC236}">
+                <a16:creationId xmlns:a16="http://schemas.microsoft.com/office/drawing/2014/main" id="{F6925A55-C3E6-8E5F-4809-20F02E77C53A}"/>
+              </a:ext>
+            </a:extLst>
+          </p:cNvPr>
+          <p:cNvPicPr>
+            <a:picLocks noChangeAspect="1"/>
+          </p:cNvPicPr>
+          <p:nvPr/>
+        </p:nvPicPr>
+        <p:blipFill>
+          <a:blip r:embed="rId7"/>
+          <a:stretch>
+            <a:fillRect/>
+          </a:stretch>
+        </p:blipFill>
+        <p:spPr>
+          <a:xfrm>
+            <a:off x="4201312" y="793609"/>
+            <a:ext cx="1894688" cy="4136571"/>
+          </a:xfrm>
+          <a:prstGeom prst="rect">
+            <a:avLst/>
+          </a:prstGeom>
+        </p:spPr>
+      </p:pic>
     </p:spTree>
     <p:extLst>
       <p:ext uri="{BB962C8B-B14F-4D97-AF65-F5344CB8AC3E}">
@@ -11982,6 +12054,65 @@
           </a:fontRef>
         </p:style>
       </p:cxnSp>
+      <p:pic>
+        <p:nvPicPr>
+          <p:cNvPr id="4" name="Immagine 3">
+            <a:extLst>
+              <a:ext uri="{FF2B5EF4-FFF2-40B4-BE49-F238E27FC236}">
+                <a16:creationId xmlns:a16="http://schemas.microsoft.com/office/drawing/2014/main" id="{8ABBB5CA-FFA1-985A-4F65-9BCF48DD1C5F}"/>
+              </a:ext>
+            </a:extLst>
+          </p:cNvPr>
+          <p:cNvPicPr>
+            <a:picLocks noChangeAspect="1"/>
+          </p:cNvPicPr>
+          <p:nvPr/>
+        </p:nvPicPr>
+        <p:blipFill>
+          <a:blip r:embed="rId6"/>
+          <a:stretch>
+            <a:fillRect/>
+          </a:stretch>
+        </p:blipFill>
+        <p:spPr>
+          <a:xfrm>
+            <a:off x="6667541" y="1850571"/>
+            <a:ext cx="5219524" cy="2528207"/>
+          </a:xfrm>
+          <a:prstGeom prst="rect">
+            <a:avLst/>
+          </a:prstGeom>
+        </p:spPr>
+      </p:pic>
+      <p:pic>
+        <p:nvPicPr>
+          <p:cNvPr id="6" name="Immagine 5">
+            <a:extLst>
+              <a:ext uri="{FF2B5EF4-FFF2-40B4-BE49-F238E27FC236}">
+                <a16:creationId xmlns:a16="http://schemas.microsoft.com/office/drawing/2014/main" id="{3CB49F56-B9E1-D687-ADC6-082B1D6E0C1A}"/>
+              </a:ext>
+            </a:extLst>
+          </p:cNvPr>
+          <p:cNvPicPr>
+            <a:picLocks noChangeAspect="1"/>
+          </p:cNvPicPr>
+          <p:nvPr/>
+        </p:nvPicPr>
+        <p:blipFill rotWithShape="1">
+          <a:blip r:embed="rId7"/>
+          <a:srcRect l="1503" t="1" b="953"/>
+          <a:stretch/>
+        </p:blipFill>
+        <p:spPr>
+          <a:xfrm>
+            <a:off x="4157450" y="793609"/>
+            <a:ext cx="2175551" cy="4758105"/>
+          </a:xfrm>
+          <a:prstGeom prst="rect">
+            <a:avLst/>
+          </a:prstGeom>
+        </p:spPr>
+      </p:pic>
     </p:spTree>
     <p:extLst>
       <p:ext uri="{BB962C8B-B14F-4D97-AF65-F5344CB8AC3E}">
@@ -12212,6 +12343,66 @@
           </a:fontRef>
         </p:style>
       </p:cxnSp>
+      <p:pic>
+        <p:nvPicPr>
+          <p:cNvPr id="5" name="Immagine 4">
+            <a:extLst>
+              <a:ext uri="{FF2B5EF4-FFF2-40B4-BE49-F238E27FC236}">
+                <a16:creationId xmlns:a16="http://schemas.microsoft.com/office/drawing/2014/main" id="{E89FAA2B-04DB-4EC6-9EC9-DC6F23DEA81B}"/>
+              </a:ext>
+            </a:extLst>
+          </p:cNvPr>
+          <p:cNvPicPr>
+            <a:picLocks noChangeAspect="1"/>
+          </p:cNvPicPr>
+          <p:nvPr/>
+        </p:nvPicPr>
+        <p:blipFill>
+          <a:blip r:embed="rId5"/>
+          <a:stretch>
+            <a:fillRect/>
+          </a:stretch>
+        </p:blipFill>
+        <p:spPr>
+          <a:xfrm>
+            <a:off x="6593085" y="1585706"/>
+            <a:ext cx="5316970" cy="2572638"/>
+          </a:xfrm>
+          <a:prstGeom prst="rect">
+            <a:avLst/>
+          </a:prstGeom>
+        </p:spPr>
+      </p:pic>
+      <p:pic>
+        <p:nvPicPr>
+          <p:cNvPr id="8" name="Immagine 7">
+            <a:extLst>
+              <a:ext uri="{FF2B5EF4-FFF2-40B4-BE49-F238E27FC236}">
+                <a16:creationId xmlns:a16="http://schemas.microsoft.com/office/drawing/2014/main" id="{1014E6FC-4437-EC1D-002A-A675D122CB63}"/>
+              </a:ext>
+            </a:extLst>
+          </p:cNvPr>
+          <p:cNvPicPr>
+            <a:picLocks noChangeAspect="1"/>
+          </p:cNvPicPr>
+          <p:nvPr/>
+        </p:nvPicPr>
+        <p:blipFill>
+          <a:blip r:embed="rId6"/>
+          <a:stretch>
+            <a:fillRect/>
+          </a:stretch>
+        </p:blipFill>
+        <p:spPr>
+          <a:xfrm>
+            <a:off x="4179298" y="793608"/>
+            <a:ext cx="2167071" cy="4730213"/>
+          </a:xfrm>
+          <a:prstGeom prst="rect">
+            <a:avLst/>
+          </a:prstGeom>
+        </p:spPr>
+      </p:pic>
     </p:spTree>
     <p:extLst>
       <p:ext uri="{BB962C8B-B14F-4D97-AF65-F5344CB8AC3E}">
@@ -12465,6 +12656,65 @@
           <a:xfrm>
             <a:off x="10539800" y="4869180"/>
             <a:ext cx="1940717" cy="1639487"/>
+          </a:xfrm>
+          <a:prstGeom prst="rect">
+            <a:avLst/>
+          </a:prstGeom>
+        </p:spPr>
+      </p:pic>
+      <p:pic>
+        <p:nvPicPr>
+          <p:cNvPr id="4" name="Immagine 3">
+            <a:extLst>
+              <a:ext uri="{FF2B5EF4-FFF2-40B4-BE49-F238E27FC236}">
+                <a16:creationId xmlns:a16="http://schemas.microsoft.com/office/drawing/2014/main" id="{EE714DDE-80A1-1AD6-B7D1-4F555A660204}"/>
+              </a:ext>
+            </a:extLst>
+          </p:cNvPr>
+          <p:cNvPicPr>
+            <a:picLocks noChangeAspect="1"/>
+          </p:cNvPicPr>
+          <p:nvPr/>
+        </p:nvPicPr>
+        <p:blipFill>
+          <a:blip r:embed="rId6"/>
+          <a:stretch>
+            <a:fillRect/>
+          </a:stretch>
+        </p:blipFill>
+        <p:spPr>
+          <a:xfrm>
+            <a:off x="6756221" y="1763487"/>
+            <a:ext cx="5174521" cy="2503714"/>
+          </a:xfrm>
+          <a:prstGeom prst="rect">
+            <a:avLst/>
+          </a:prstGeom>
+        </p:spPr>
+      </p:pic>
+      <p:pic>
+        <p:nvPicPr>
+          <p:cNvPr id="9" name="Immagine 8">
+            <a:extLst>
+              <a:ext uri="{FF2B5EF4-FFF2-40B4-BE49-F238E27FC236}">
+                <a16:creationId xmlns:a16="http://schemas.microsoft.com/office/drawing/2014/main" id="{E1A64BF8-6630-3142-A5E1-01341D6B4C93}"/>
+              </a:ext>
+            </a:extLst>
+          </p:cNvPr>
+          <p:cNvPicPr>
+            <a:picLocks noChangeAspect="1"/>
+          </p:cNvPicPr>
+          <p:nvPr/>
+        </p:nvPicPr>
+        <p:blipFill rotWithShape="1">
+          <a:blip r:embed="rId7"/>
+          <a:srcRect l="1631" t="174" b="1387"/>
+          <a:stretch/>
+        </p:blipFill>
+        <p:spPr>
+          <a:xfrm>
+            <a:off x="4077763" y="608610"/>
+            <a:ext cx="2427415" cy="5302333"/>
           </a:xfrm>
           <a:prstGeom prst="rect">
             <a:avLst/>
@@ -13361,6 +13611,34 @@
 </file>
 
 <file path=customXml/item1.xml><?xml version="1.0" encoding="utf-8"?>
+<p:properties xmlns:p="http://schemas.microsoft.com/office/2006/metadata/properties" xmlns:xsi="http://www.w3.org/2001/XMLSchema-instance" xmlns:pc="http://schemas.microsoft.com/office/infopath/2007/PartnerControls">
+  <documentManagement>
+    <_ip_UnifiedCompliancePolicyUIAction xmlns="http://schemas.microsoft.com/sharepoint/v3" xsi:nil="true"/>
+    <Image xmlns="71af3243-3dd4-4a8d-8c0d-dd76da1f02a5">
+      <Url xsi:nil="true"/>
+      <Description xsi:nil="true"/>
+    </Image>
+    <Status xmlns="71af3243-3dd4-4a8d-8c0d-dd76da1f02a5">Not started</Status>
+    <_ip_UnifiedCompliancePolicyProperties xmlns="http://schemas.microsoft.com/sharepoint/v3" xsi:nil="true"/>
+    <ImageTagsTaxHTField xmlns="71af3243-3dd4-4a8d-8c0d-dd76da1f02a5">
+      <Terms xmlns="http://schemas.microsoft.com/office/infopath/2007/PartnerControls"/>
+    </ImageTagsTaxHTField>
+    <TaxCatchAll xmlns="230e9df3-be65-4c73-a93b-d1236ebd677e"/>
+    <MediaServiceKeyPoints xmlns="71af3243-3dd4-4a8d-8c0d-dd76da1f02a5" xsi:nil="true"/>
+  </documentManagement>
+</p:properties>
+</file>
+
+<file path=customXml/item2.xml><?xml version="1.0" encoding="utf-8"?>
+<?mso-contentType ?>
+<FormTemplates xmlns="http://schemas.microsoft.com/sharepoint/v3/contenttype/forms">
+  <Display>DocumentLibraryForm</Display>
+  <Edit>DocumentLibraryForm</Edit>
+  <New>DocumentLibraryForm</New>
+</FormTemplates>
+</file>
+
+<file path=customXml/item3.xml><?xml version="1.0" encoding="utf-8"?>
 <ct:contentTypeSchema xmlns:ct="http://schemas.microsoft.com/office/2006/metadata/contentType" xmlns:ma="http://schemas.microsoft.com/office/2006/metadata/properties/metaAttributes" ct:_="" ma:_="" ma:contentTypeName="Document" ma:contentTypeID="0x01010079F111ED35F8CC479449609E8A0923A6" ma:contentTypeVersion="20" ma:contentTypeDescription="Create a new document." ma:contentTypeScope="" ma:versionID="1267097ee5f5874adfcc408041ae252e">
   <xsd:schema xmlns:xsd="http://www.w3.org/2001/XMLSchema" xmlns:xs="http://www.w3.org/2001/XMLSchema" xmlns:p="http://schemas.microsoft.com/office/2006/metadata/properties" xmlns:ns1="http://schemas.microsoft.com/sharepoint/v3" xmlns:ns2="71af3243-3dd4-4a8d-8c0d-dd76da1f02a5" xmlns:ns3="16c05727-aa75-4e4a-9b5f-8a80a1165891" xmlns:ns4="230e9df3-be65-4c73-a93b-d1236ebd677e" targetNamespace="http://schemas.microsoft.com/office/2006/metadata/properties" ma:root="true" ma:fieldsID="395891a93df65b14727750f2c06c306c" ns1:_="" ns2:_="" ns3:_="" ns4:_="">
     <xsd:import namespace="http://schemas.microsoft.com/sharepoint/v3"/>
@@ -13636,35 +13914,27 @@
 </ct:contentTypeSchema>
 </file>
 
-<file path=customXml/item2.xml><?xml version="1.0" encoding="utf-8"?>
-<?mso-contentType ?>
-<FormTemplates xmlns="http://schemas.microsoft.com/sharepoint/v3/contenttype/forms">
-  <Display>DocumentLibraryForm</Display>
-  <Edit>DocumentLibraryForm</Edit>
-  <New>DocumentLibraryForm</New>
-</FormTemplates>
+<file path=customXml/itemProps1.xml><?xml version="1.0" encoding="utf-8"?>
+<ds:datastoreItem xmlns:ds="http://schemas.openxmlformats.org/officeDocument/2006/customXml" ds:itemID="{B5BA3906-9696-4247-AC0D-DD5C26B2A70A}">
+  <ds:schemaRefs>
+    <ds:schemaRef ds:uri="http://schemas.microsoft.com/office/2006/metadata/properties"/>
+    <ds:schemaRef ds:uri="http://schemas.microsoft.com/office/infopath/2007/PartnerControls"/>
+    <ds:schemaRef ds:uri="http://schemas.microsoft.com/sharepoint/v3"/>
+    <ds:schemaRef ds:uri="71af3243-3dd4-4a8d-8c0d-dd76da1f02a5"/>
+    <ds:schemaRef ds:uri="230e9df3-be65-4c73-a93b-d1236ebd677e"/>
+  </ds:schemaRefs>
+</ds:datastoreItem>
 </file>
 
-<file path=customXml/item3.xml><?xml version="1.0" encoding="utf-8"?>
-<p:properties xmlns:p="http://schemas.microsoft.com/office/2006/metadata/properties" xmlns:xsi="http://www.w3.org/2001/XMLSchema-instance" xmlns:pc="http://schemas.microsoft.com/office/infopath/2007/PartnerControls">
-  <documentManagement>
-    <_ip_UnifiedCompliancePolicyUIAction xmlns="http://schemas.microsoft.com/sharepoint/v3" xsi:nil="true"/>
-    <Image xmlns="71af3243-3dd4-4a8d-8c0d-dd76da1f02a5">
-      <Url xsi:nil="true"/>
-      <Description xsi:nil="true"/>
-    </Image>
-    <Status xmlns="71af3243-3dd4-4a8d-8c0d-dd76da1f02a5">Not started</Status>
-    <_ip_UnifiedCompliancePolicyProperties xmlns="http://schemas.microsoft.com/sharepoint/v3" xsi:nil="true"/>
-    <ImageTagsTaxHTField xmlns="71af3243-3dd4-4a8d-8c0d-dd76da1f02a5">
-      <Terms xmlns="http://schemas.microsoft.com/office/infopath/2007/PartnerControls"/>
-    </ImageTagsTaxHTField>
-    <TaxCatchAll xmlns="230e9df3-be65-4c73-a93b-d1236ebd677e"/>
-    <MediaServiceKeyPoints xmlns="71af3243-3dd4-4a8d-8c0d-dd76da1f02a5" xsi:nil="true"/>
-  </documentManagement>
-</p:properties>
+<file path=customXml/itemProps2.xml><?xml version="1.0" encoding="utf-8"?>
+<ds:datastoreItem xmlns:ds="http://schemas.openxmlformats.org/officeDocument/2006/customXml" ds:itemID="{2D446390-8521-40A2-A462-EA068123BED9}">
+  <ds:schemaRefs>
+    <ds:schemaRef ds:uri="http://schemas.microsoft.com/sharepoint/v3/contenttype/forms"/>
+  </ds:schemaRefs>
+</ds:datastoreItem>
 </file>
 
-<file path=customXml/itemProps1.xml><?xml version="1.0" encoding="utf-8"?>
+<file path=customXml/itemProps3.xml><?xml version="1.0" encoding="utf-8"?>
 <ds:datastoreItem xmlns:ds="http://schemas.openxmlformats.org/officeDocument/2006/customXml" ds:itemID="{01E84A1C-2814-43A7-9448-348326113A45}">
   <ds:schemaRefs>
     <ds:schemaRef ds:uri="http://schemas.microsoft.com/office/2006/metadata/contentType"/>
@@ -13685,26 +13955,6 @@
 </ds:datastoreItem>
 </file>
 
-<file path=customXml/itemProps2.xml><?xml version="1.0" encoding="utf-8"?>
-<ds:datastoreItem xmlns:ds="http://schemas.openxmlformats.org/officeDocument/2006/customXml" ds:itemID="{2D446390-8521-40A2-A462-EA068123BED9}">
-  <ds:schemaRefs>
-    <ds:schemaRef ds:uri="http://schemas.microsoft.com/sharepoint/v3/contenttype/forms"/>
-  </ds:schemaRefs>
-</ds:datastoreItem>
-</file>
-
-<file path=customXml/itemProps3.xml><?xml version="1.0" encoding="utf-8"?>
-<ds:datastoreItem xmlns:ds="http://schemas.openxmlformats.org/officeDocument/2006/customXml" ds:itemID="{B5BA3906-9696-4247-AC0D-DD5C26B2A70A}">
-  <ds:schemaRefs>
-    <ds:schemaRef ds:uri="http://schemas.microsoft.com/office/2006/metadata/properties"/>
-    <ds:schemaRef ds:uri="http://schemas.microsoft.com/office/infopath/2007/PartnerControls"/>
-    <ds:schemaRef ds:uri="http://schemas.microsoft.com/sharepoint/v3"/>
-    <ds:schemaRef ds:uri="71af3243-3dd4-4a8d-8c0d-dd76da1f02a5"/>
-    <ds:schemaRef ds:uri="230e9df3-be65-4c73-a93b-d1236ebd677e"/>
-  </ds:schemaRefs>
-</ds:datastoreItem>
-</file>
-
 <file path=docMetadata/LabelInfo.xml><?xml version="1.0" encoding="utf-8"?>
 <clbl:labelList xmlns:clbl="http://schemas.microsoft.com/office/2020/mipLabelMetadata">
   <clbl:label id="{f42aa342-8706-4288-bd11-ebb85995028c}" enabled="1" method="Standard" siteId="{72f988bf-86f1-41af-91ab-2d7cd011db47}" removed="0"/>

--- a/presentazione/presentazione_hypebest2.pptx
+++ b/presentazione/presentazione_hypebest2.pptx
@@ -5,10 +5,10 @@
     <p:sldMasterId id="2147483793" r:id="rId4"/>
   </p:sldMasterIdLst>
   <p:notesMasterIdLst>
-    <p:notesMasterId r:id="rId18"/>
+    <p:notesMasterId r:id="rId17"/>
   </p:notesMasterIdLst>
   <p:handoutMasterIdLst>
-    <p:handoutMasterId r:id="rId19"/>
+    <p:handoutMasterId r:id="rId18"/>
   </p:handoutMasterIdLst>
   <p:sldIdLst>
     <p:sldId id="256" r:id="rId5"/>
@@ -16,14 +16,13 @@
     <p:sldId id="259" r:id="rId7"/>
     <p:sldId id="257" r:id="rId8"/>
     <p:sldId id="260" r:id="rId9"/>
-    <p:sldId id="262" r:id="rId10"/>
-    <p:sldId id="264" r:id="rId11"/>
-    <p:sldId id="265" r:id="rId12"/>
-    <p:sldId id="263" r:id="rId13"/>
-    <p:sldId id="266" r:id="rId14"/>
-    <p:sldId id="267" r:id="rId15"/>
+    <p:sldId id="269" r:id="rId10"/>
+    <p:sldId id="262" r:id="rId11"/>
+    <p:sldId id="264" r:id="rId12"/>
+    <p:sldId id="265" r:id="rId13"/>
+    <p:sldId id="263" r:id="rId14"/>
+    <p:sldId id="266" r:id="rId15"/>
     <p:sldId id="268" r:id="rId16"/>
-    <p:sldId id="269" r:id="rId17"/>
   </p:sldIdLst>
   <p:sldSz cx="12192000" cy="6858000"/>
   <p:notesSz cx="6858000" cy="9144000"/>
@@ -3514,7 +3513,7 @@
             <a:pPr rtl="0"/>
             <a:fld id="{908252B0-110B-41C3-A919-378EF57AC5F3}" type="datetime1">
               <a:rPr lang="it-IT" smtClean="0"/>
-              <a:t>22/05/2022</a:t>
+              <a:t>25/05/2022</a:t>
             </a:fld>
             <a:endParaRPr lang="it-IT"/>
           </a:p>
@@ -3696,7 +3695,7 @@
             <a:fld id="{E91A8072-AB5C-401E-9F2D-ADB45AE59072}" type="datetime1">
               <a:rPr lang="it-IT" smtClean="0"/>
               <a:pPr/>
-              <a:t>22/05/2022</a:t>
+              <a:t>25/05/2022</a:t>
             </a:fld>
             <a:endParaRPr lang="it-IT" dirty="0"/>
           </a:p>
@@ -4096,57 +4095,132 @@
           <a:bodyPr/>
           <a:lstStyle/>
           <a:p>
-            <a:r>
-              <a:rPr lang="it-IT" dirty="0">
+            <a:pPr>
+              <a:lnSpc>
+                <a:spcPct val="90000"/>
+              </a:lnSpc>
+              <a:spcAft>
+                <a:spcPts val="600"/>
+              </a:spcAft>
+            </a:pPr>
+            <a:r>
+              <a:rPr lang="it-IT" sz="1200" dirty="0">
                 <a:solidFill>
                   <a:schemeClr val="bg1"/>
                 </a:solidFill>
               </a:rPr>
-              <a:t>La funzione preferenze permetterà di indicare le preferenze di un utente.</a:t>
-            </a:r>
-          </a:p>
-          <a:p>
-            <a:endParaRPr lang="it-IT" dirty="0">
+              <a:t>Per essere inserito, un post deve possedere una foto, l’utente deve essere loggato e devono essere </a:t>
+            </a:r>
+            <a:r>
+              <a:rPr lang="it-IT" sz="1200" noProof="1">
+                <a:solidFill>
+                  <a:schemeClr val="bg1"/>
+                </a:solidFill>
+              </a:rPr>
+              <a:t>inseriti</a:t>
+            </a:r>
+            <a:r>
+              <a:rPr lang="it-IT" sz="1200" dirty="0">
+                <a:solidFill>
+                  <a:schemeClr val="bg1"/>
+                </a:solidFill>
+              </a:rPr>
+              <a:t> i vari criteri utili per la ricerca.</a:t>
+            </a:r>
+          </a:p>
+          <a:p>
+            <a:pPr indent="-228600">
+              <a:lnSpc>
+                <a:spcPct val="90000"/>
+              </a:lnSpc>
+              <a:spcAft>
+                <a:spcPts val="600"/>
+              </a:spcAft>
+              <a:buFont typeface="Arial" panose="020B0604020202020204" pitchFamily="34" charset="0"/>
+              <a:buChar char="•"/>
+            </a:pPr>
+            <a:endParaRPr lang="it-IT" sz="1200" dirty="0">
               <a:solidFill>
                 <a:schemeClr val="bg1"/>
               </a:solidFill>
             </a:endParaRPr>
           </a:p>
           <a:p>
-            <a:r>
-              <a:rPr lang="it-IT" dirty="0">
+            <a:pPr>
+              <a:lnSpc>
+                <a:spcPct val="90000"/>
+              </a:lnSpc>
+              <a:spcAft>
+                <a:spcPts val="600"/>
+              </a:spcAft>
+            </a:pPr>
+            <a:r>
+              <a:rPr lang="it-IT" sz="1200" dirty="0">
                 <a:solidFill>
                   <a:schemeClr val="bg1"/>
                 </a:solidFill>
               </a:rPr>
-              <a:t>Questa funzione è soprattutto utile quando un utente non segue nessun altro account.</a:t>
-            </a:r>
-          </a:p>
-          <a:p>
-            <a:endParaRPr lang="it-IT" dirty="0">
-              <a:solidFill>
-                <a:schemeClr val="bg1"/>
-              </a:solidFill>
-            </a:endParaRPr>
-          </a:p>
-          <a:p>
-            <a:r>
-              <a:rPr lang="it-IT" dirty="0">
+              <a:t>In un post opzionalmente si possono aggiungere:</a:t>
+            </a:r>
+          </a:p>
+          <a:p>
+            <a:pPr marL="342900" indent="-285750">
+              <a:lnSpc>
+                <a:spcPct val="90000"/>
+              </a:lnSpc>
+              <a:spcAft>
+                <a:spcPts val="600"/>
+              </a:spcAft>
+              <a:buFont typeface="Arial" panose="020B0604020202020204" pitchFamily="34" charset="0"/>
+              <a:buChar char="•"/>
+            </a:pPr>
+            <a:r>
+              <a:rPr lang="it-IT" sz="1200" dirty="0">
                 <a:solidFill>
                   <a:schemeClr val="bg1"/>
                 </a:solidFill>
               </a:rPr>
-              <a:t>Tramite le preferenze all’utente verranno visualizzati dal utente tutti i post che coincidono con le preferenze prestabilite.</a:t>
-            </a:r>
-          </a:p>
-          <a:p>
-            <a:r>
-              <a:rPr lang="it-IT" dirty="0">
+              <a:t>Descrizione, che permette di scrivere un breve testo.</a:t>
+            </a:r>
+          </a:p>
+          <a:p>
+            <a:pPr marL="342900" indent="-285750">
+              <a:lnSpc>
+                <a:spcPct val="90000"/>
+              </a:lnSpc>
+              <a:spcAft>
+                <a:spcPts val="600"/>
+              </a:spcAft>
+              <a:buFont typeface="Arial" panose="020B0604020202020204" pitchFamily="34" charset="0"/>
+              <a:buChar char="•"/>
+            </a:pPr>
+            <a:r>
+              <a:rPr lang="it-IT" sz="1200" dirty="0">
                 <a:solidFill>
                   <a:schemeClr val="bg1"/>
                 </a:solidFill>
               </a:rPr>
-              <a:t> </a:t>
+              <a:t>Tag, che riportano l’URL del sito dove è possibile acquistare il capo d’abbigliamento a cui fa riferimento.</a:t>
+            </a:r>
+          </a:p>
+          <a:p>
+            <a:pPr marL="342900" indent="-285750">
+              <a:lnSpc>
+                <a:spcPct val="90000"/>
+              </a:lnSpc>
+              <a:spcAft>
+                <a:spcPts val="600"/>
+              </a:spcAft>
+              <a:buFont typeface="Arial" panose="020B0604020202020204" pitchFamily="34" charset="0"/>
+              <a:buChar char="•"/>
+            </a:pPr>
+            <a:r>
+              <a:rPr lang="it-IT" sz="1200" dirty="0">
+                <a:solidFill>
+                  <a:schemeClr val="bg1"/>
+                </a:solidFill>
+              </a:rPr>
+              <a:t>Un collegamento ad un altro profilo (generalmente inserito se nel post sono presenti altri utenti dell’applicazione).</a:t>
             </a:r>
           </a:p>
           <a:p>
@@ -4181,7 +4255,7 @@
     </p:spTree>
     <p:extLst>
       <p:ext uri="{BB962C8B-B14F-4D97-AF65-F5344CB8AC3E}">
-        <p14:creationId xmlns:p14="http://schemas.microsoft.com/office/powerpoint/2010/main" val="2424330297"/>
+        <p14:creationId xmlns:p14="http://schemas.microsoft.com/office/powerpoint/2010/main" val="429664561"/>
       </p:ext>
     </p:extLst>
   </p:cSld>
@@ -4304,114 +4378,6 @@
     <p:extLst>
       <p:ext uri="{BB962C8B-B14F-4D97-AF65-F5344CB8AC3E}">
         <p14:creationId xmlns:p14="http://schemas.microsoft.com/office/powerpoint/2010/main" val="1185471863"/>
-      </p:ext>
-    </p:extLst>
-  </p:cSld>
-  <p:clrMapOvr>
-    <a:masterClrMapping/>
-  </p:clrMapOvr>
-</p:notes>
-</file>
-
-<file path=ppt/notesSlides/notesSlide12.xml><?xml version="1.0" encoding="utf-8"?>
-<p:notes xmlns:a="http://schemas.openxmlformats.org/drawingml/2006/main" xmlns:r="http://schemas.openxmlformats.org/officeDocument/2006/relationships" xmlns:p="http://schemas.openxmlformats.org/presentationml/2006/main">
-  <p:cSld>
-    <p:spTree>
-      <p:nvGrpSpPr>
-        <p:cNvPr id="1" name=""/>
-        <p:cNvGrpSpPr/>
-        <p:nvPr/>
-      </p:nvGrpSpPr>
-      <p:grpSpPr>
-        <a:xfrm>
-          <a:off x="0" y="0"/>
-          <a:ext cx="0" cy="0"/>
-          <a:chOff x="0" y="0"/>
-          <a:chExt cx="0" cy="0"/>
-        </a:xfrm>
-      </p:grpSpPr>
-      <p:sp>
-        <p:nvSpPr>
-          <p:cNvPr id="2" name="Segnaposto immagine diapositiva 1"/>
-          <p:cNvSpPr>
-            <a:spLocks noGrp="1" noRot="1" noChangeAspect="1"/>
-          </p:cNvSpPr>
-          <p:nvPr>
-            <p:ph type="sldImg"/>
-          </p:nvPr>
-        </p:nvSpPr>
-        <p:spPr/>
-      </p:sp>
-      <p:sp>
-        <p:nvSpPr>
-          <p:cNvPr id="3" name="Segnaposto note 2"/>
-          <p:cNvSpPr>
-            <a:spLocks noGrp="1"/>
-          </p:cNvSpPr>
-          <p:nvPr>
-            <p:ph type="body" idx="1"/>
-          </p:nvPr>
-        </p:nvSpPr>
-        <p:spPr/>
-        <p:txBody>
-          <a:bodyPr/>
-          <a:lstStyle/>
-          <a:p>
-            <a:r>
-              <a:rPr lang="it-IT" dirty="0">
-                <a:solidFill>
-                  <a:schemeClr val="bg1"/>
-                </a:solidFill>
-              </a:rPr>
-              <a:t>La pagina del login permette al utente di effettuare l’accesso al </a:t>
-            </a:r>
-            <a:r>
-              <a:rPr lang="it-IT">
-                <a:solidFill>
-                  <a:schemeClr val="bg1"/>
-                </a:solidFill>
-              </a:rPr>
-              <a:t>proprio profilo. </a:t>
-            </a:r>
-            <a:endParaRPr lang="it-IT" dirty="0">
-              <a:solidFill>
-                <a:schemeClr val="bg1"/>
-              </a:solidFill>
-            </a:endParaRPr>
-          </a:p>
-          <a:p>
-            <a:endParaRPr lang="it-IT" dirty="0"/>
-          </a:p>
-        </p:txBody>
-      </p:sp>
-      <p:sp>
-        <p:nvSpPr>
-          <p:cNvPr id="4" name="Segnaposto numero diapositiva 3"/>
-          <p:cNvSpPr>
-            <a:spLocks noGrp="1"/>
-          </p:cNvSpPr>
-          <p:nvPr>
-            <p:ph type="sldNum" sz="quarter" idx="5"/>
-          </p:nvPr>
-        </p:nvSpPr>
-        <p:spPr/>
-        <p:txBody>
-          <a:bodyPr/>
-          <a:lstStyle/>
-          <a:p>
-            <a:pPr rtl="0"/>
-            <a:fld id="{D4B9A9E5-4F7F-4A7D-9DE1-899232329269}" type="slidenum">
-              <a:rPr lang="it-IT" noProof="0" smtClean="0"/>
-              <a:t>13</a:t>
-            </a:fld>
-            <a:endParaRPr lang="it-IT" noProof="0"/>
-          </a:p>
-        </p:txBody>
-      </p:sp>
-    </p:spTree>
-    <p:extLst>
-      <p:ext uri="{BB962C8B-B14F-4D97-AF65-F5344CB8AC3E}">
-        <p14:creationId xmlns:p14="http://schemas.microsoft.com/office/powerpoint/2010/main" val="2577715656"/>
       </p:ext>
     </p:extLst>
   </p:cSld>
@@ -5017,135 +4983,27 @@
           <a:bodyPr/>
           <a:lstStyle/>
           <a:p>
-            <a:pPr indent="-228600">
-              <a:lnSpc>
-                <a:spcPct val="90000"/>
-              </a:lnSpc>
-              <a:spcAft>
-                <a:spcPts val="600"/>
-              </a:spcAft>
-              <a:buFont typeface="Arial" panose="020B0604020202020204" pitchFamily="34" charset="0"/>
-              <a:buChar char="•"/>
-            </a:pPr>
-            <a:r>
-              <a:rPr lang="it-IT" sz="1200" dirty="0">
+            <a:r>
+              <a:rPr lang="it-IT" dirty="0">
                 <a:solidFill>
                   <a:schemeClr val="bg1"/>
                 </a:solidFill>
               </a:rPr>
-              <a:t>La Home è la pagina principale dell’applicazione, viene visualizzata all’avvio di quest’ultima.</a:t>
-            </a:r>
-          </a:p>
-          <a:p>
-            <a:pPr indent="-228600">
-              <a:lnSpc>
-                <a:spcPct val="90000"/>
-              </a:lnSpc>
-              <a:spcAft>
-                <a:spcPts val="600"/>
-              </a:spcAft>
-              <a:buFont typeface="Arial" panose="020B0604020202020204" pitchFamily="34" charset="0"/>
-              <a:buChar char="•"/>
-            </a:pPr>
-            <a:endParaRPr lang="it-IT" sz="1200" dirty="0">
+              <a:t>La pagina del login permette al utente di effettuare l’accesso al </a:t>
+            </a:r>
+            <a:r>
+              <a:rPr lang="it-IT">
+                <a:solidFill>
+                  <a:schemeClr val="bg1"/>
+                </a:solidFill>
+              </a:rPr>
+              <a:t>proprio profilo. </a:t>
+            </a:r>
+            <a:endParaRPr lang="it-IT" dirty="0">
               <a:solidFill>
                 <a:schemeClr val="bg1"/>
               </a:solidFill>
             </a:endParaRPr>
-          </a:p>
-          <a:p>
-            <a:pPr indent="-228600">
-              <a:lnSpc>
-                <a:spcPct val="90000"/>
-              </a:lnSpc>
-              <a:spcAft>
-                <a:spcPts val="600"/>
-              </a:spcAft>
-              <a:buFont typeface="Arial" panose="020B0604020202020204" pitchFamily="34" charset="0"/>
-              <a:buChar char="•"/>
-            </a:pPr>
-            <a:r>
-              <a:rPr lang="it-IT" sz="1200" dirty="0">
-                <a:solidFill>
-                  <a:schemeClr val="bg1"/>
-                </a:solidFill>
-              </a:rPr>
-              <a:t>Qui vengono visualizzati i post degli utenti seguiti.</a:t>
-            </a:r>
-          </a:p>
-          <a:p>
-            <a:pPr indent="-228600">
-              <a:lnSpc>
-                <a:spcPct val="90000"/>
-              </a:lnSpc>
-              <a:spcAft>
-                <a:spcPts val="600"/>
-              </a:spcAft>
-              <a:buFont typeface="Arial" panose="020B0604020202020204" pitchFamily="34" charset="0"/>
-              <a:buChar char="•"/>
-            </a:pPr>
-            <a:endParaRPr lang="it-IT" sz="1200" dirty="0">
-              <a:solidFill>
-                <a:schemeClr val="bg1"/>
-              </a:solidFill>
-            </a:endParaRPr>
-          </a:p>
-          <a:p>
-            <a:pPr indent="-228600">
-              <a:lnSpc>
-                <a:spcPct val="90000"/>
-              </a:lnSpc>
-              <a:spcAft>
-                <a:spcPts val="600"/>
-              </a:spcAft>
-              <a:buFont typeface="Arial" panose="020B0604020202020204" pitchFamily="34" charset="0"/>
-              <a:buChar char="•"/>
-            </a:pPr>
-            <a:r>
-              <a:rPr lang="it-IT" sz="1200" dirty="0">
-                <a:solidFill>
-                  <a:schemeClr val="bg1"/>
-                </a:solidFill>
-              </a:rPr>
-              <a:t>La pagina permetterà l’interazione con i post, dando la possibilità di salvarlo, inserire commenti, mettere like e visualizzare i capi d’abbigliamento tramite i tag presenti. </a:t>
-            </a:r>
-          </a:p>
-          <a:p>
-            <a:pPr indent="-228600">
-              <a:lnSpc>
-                <a:spcPct val="90000"/>
-              </a:lnSpc>
-              <a:spcAft>
-                <a:spcPts val="600"/>
-              </a:spcAft>
-              <a:buFont typeface="Arial" panose="020B0604020202020204" pitchFamily="34" charset="0"/>
-              <a:buChar char="•"/>
-            </a:pPr>
-            <a:endParaRPr lang="it-IT" sz="1200" dirty="0">
-              <a:solidFill>
-                <a:schemeClr val="bg1"/>
-              </a:solidFill>
-            </a:endParaRPr>
-          </a:p>
-          <a:p>
-            <a:pPr indent="-228600">
-              <a:lnSpc>
-                <a:spcPct val="90000"/>
-              </a:lnSpc>
-              <a:spcAft>
-                <a:spcPts val="600"/>
-              </a:spcAft>
-              <a:buFont typeface="Arial" panose="020B0604020202020204" pitchFamily="34" charset="0"/>
-              <a:buChar char="•"/>
-            </a:pPr>
-            <a:r>
-              <a:rPr lang="it-IT" sz="1200" dirty="0">
-                <a:solidFill>
-                  <a:schemeClr val="bg1"/>
-                </a:solidFill>
-              </a:rPr>
-              <a:t>Dalla Home è raggiungibile ognuna delle funzioni nominate in precedenza.</a:t>
-            </a:r>
           </a:p>
           <a:p>
             <a:endParaRPr lang="it-IT" dirty="0"/>
@@ -5179,7 +5037,7 @@
     </p:spTree>
     <p:extLst>
       <p:ext uri="{BB962C8B-B14F-4D97-AF65-F5344CB8AC3E}">
-        <p14:creationId xmlns:p14="http://schemas.microsoft.com/office/powerpoint/2010/main" val="3086650376"/>
+        <p14:creationId xmlns:p14="http://schemas.microsoft.com/office/powerpoint/2010/main" val="2577715656"/>
       </p:ext>
     </p:extLst>
   </p:cSld>
@@ -5249,7 +5107,7 @@
                   <a:schemeClr val="bg1"/>
                 </a:solidFill>
               </a:rPr>
-              <a:t>La pagina di ricerca permetterà tramite una barra di ricerca di trovare determinati post che corrispondono ai criteri richiesti. </a:t>
+              <a:t>La Home è la pagina principale dell’applicazione, viene visualizzata all’avvio di quest’ultima.</a:t>
             </a:r>
           </a:p>
           <a:p>
@@ -5263,13 +5121,104 @@
               <a:buFont typeface="Arial" panose="020B0604020202020204" pitchFamily="34" charset="0"/>
               <a:buChar char="•"/>
             </a:pPr>
+            <a:endParaRPr lang="it-IT" sz="1200" dirty="0">
+              <a:solidFill>
+                <a:schemeClr val="bg1"/>
+              </a:solidFill>
+            </a:endParaRPr>
+          </a:p>
+          <a:p>
+            <a:pPr indent="-228600">
+              <a:lnSpc>
+                <a:spcPct val="90000"/>
+              </a:lnSpc>
+              <a:spcAft>
+                <a:spcPts val="600"/>
+              </a:spcAft>
+              <a:buFont typeface="Arial" panose="020B0604020202020204" pitchFamily="34" charset="0"/>
+              <a:buChar char="•"/>
+            </a:pPr>
             <a:r>
               <a:rPr lang="it-IT" sz="1200" dirty="0">
                 <a:solidFill>
                   <a:schemeClr val="bg1"/>
                 </a:solidFill>
               </a:rPr>
-              <a:t>Saranno presenti dei filtri permetteranno di mostrare solo I post che rispondono ad essi.</a:t>
+              <a:t>Qui vengono visualizzati i post degli utenti seguiti.</a:t>
+            </a:r>
+          </a:p>
+          <a:p>
+            <a:pPr indent="-228600">
+              <a:lnSpc>
+                <a:spcPct val="90000"/>
+              </a:lnSpc>
+              <a:spcAft>
+                <a:spcPts val="600"/>
+              </a:spcAft>
+              <a:buFont typeface="Arial" panose="020B0604020202020204" pitchFamily="34" charset="0"/>
+              <a:buChar char="•"/>
+            </a:pPr>
+            <a:endParaRPr lang="it-IT" sz="1200" dirty="0">
+              <a:solidFill>
+                <a:schemeClr val="bg1"/>
+              </a:solidFill>
+            </a:endParaRPr>
+          </a:p>
+          <a:p>
+            <a:pPr indent="-228600">
+              <a:lnSpc>
+                <a:spcPct val="90000"/>
+              </a:lnSpc>
+              <a:spcAft>
+                <a:spcPts val="600"/>
+              </a:spcAft>
+              <a:buFont typeface="Arial" panose="020B0604020202020204" pitchFamily="34" charset="0"/>
+              <a:buChar char="•"/>
+            </a:pPr>
+            <a:r>
+              <a:rPr lang="it-IT" sz="1200" dirty="0">
+                <a:solidFill>
+                  <a:schemeClr val="bg1"/>
+                </a:solidFill>
+              </a:rPr>
+              <a:t>La pagina permetterà l’interazione con i post, dando la possibilità di salvarlo, inserire commenti, mettere like e visualizzare i capi d’abbigliamento tramite i tag presenti. </a:t>
+            </a:r>
+          </a:p>
+          <a:p>
+            <a:pPr indent="-228600">
+              <a:lnSpc>
+                <a:spcPct val="90000"/>
+              </a:lnSpc>
+              <a:spcAft>
+                <a:spcPts val="600"/>
+              </a:spcAft>
+              <a:buFont typeface="Arial" panose="020B0604020202020204" pitchFamily="34" charset="0"/>
+              <a:buChar char="•"/>
+            </a:pPr>
+            <a:endParaRPr lang="it-IT" sz="1200" dirty="0">
+              <a:solidFill>
+                <a:schemeClr val="bg1"/>
+              </a:solidFill>
+            </a:endParaRPr>
+          </a:p>
+          <a:p>
+            <a:pPr indent="-228600">
+              <a:lnSpc>
+                <a:spcPct val="90000"/>
+              </a:lnSpc>
+              <a:spcAft>
+                <a:spcPts val="600"/>
+              </a:spcAft>
+              <a:buFont typeface="Arial" panose="020B0604020202020204" pitchFamily="34" charset="0"/>
+              <a:buChar char="•"/>
+            </a:pPr>
+            <a:r>
+              <a:rPr lang="it-IT" sz="1200" dirty="0">
+                <a:solidFill>
+                  <a:schemeClr val="bg1"/>
+                </a:solidFill>
+              </a:rPr>
+              <a:t>Dalla Home è raggiungibile ognuna delle funzioni nominate in precedenza.</a:t>
             </a:r>
           </a:p>
           <a:p>
@@ -5304,7 +5253,7 @@
     </p:spTree>
     <p:extLst>
       <p:ext uri="{BB962C8B-B14F-4D97-AF65-F5344CB8AC3E}">
-        <p14:creationId xmlns:p14="http://schemas.microsoft.com/office/powerpoint/2010/main" val="1866320033"/>
+        <p14:creationId xmlns:p14="http://schemas.microsoft.com/office/powerpoint/2010/main" val="3086650376"/>
       </p:ext>
     </p:extLst>
   </p:cSld>
@@ -5358,102 +5307,43 @@
           <a:bodyPr/>
           <a:lstStyle/>
           <a:p>
-            <a:pPr marL="285750" indent="-285750">
+            <a:pPr indent="-228600">
+              <a:lnSpc>
+                <a:spcPct val="90000"/>
+              </a:lnSpc>
+              <a:spcAft>
+                <a:spcPts val="600"/>
+              </a:spcAft>
               <a:buFont typeface="Arial" panose="020B0604020202020204" pitchFamily="34" charset="0"/>
               <a:buChar char="•"/>
             </a:pPr>
             <a:r>
-              <a:rPr lang="it-IT" dirty="0">
+              <a:rPr lang="it-IT" sz="1200" dirty="0">
                 <a:solidFill>
                   <a:schemeClr val="bg1"/>
                 </a:solidFill>
               </a:rPr>
-              <a:t>La pagina del profilo permetterà di visualizzare tutte le </a:t>
-            </a:r>
-          </a:p>
-          <a:p>
-            <a:r>
-              <a:rPr lang="it-IT" dirty="0">
+              <a:t>La pagina di ricerca permetterà tramite una barra di ricerca di trovare determinati post che corrispondono ai criteri richiesti. </a:t>
+            </a:r>
+          </a:p>
+          <a:p>
+            <a:pPr indent="-228600">
+              <a:lnSpc>
+                <a:spcPct val="90000"/>
+              </a:lnSpc>
+              <a:spcAft>
+                <a:spcPts val="600"/>
+              </a:spcAft>
+              <a:buFont typeface="Arial" panose="020B0604020202020204" pitchFamily="34" charset="0"/>
+              <a:buChar char="•"/>
+            </a:pPr>
+            <a:r>
+              <a:rPr lang="it-IT" sz="1200" dirty="0">
                 <a:solidFill>
                   <a:schemeClr val="bg1"/>
                 </a:solidFill>
               </a:rPr>
-              <a:t>     caratteristiche di un profilo utente.</a:t>
-            </a:r>
-          </a:p>
-          <a:p>
-            <a:pPr marL="285750" indent="-285750">
-              <a:buFont typeface="Arial" panose="020B0604020202020204" pitchFamily="34" charset="0"/>
-              <a:buChar char="•"/>
-            </a:pPr>
-            <a:endParaRPr lang="it-IT" dirty="0">
-              <a:solidFill>
-                <a:schemeClr val="bg1"/>
-              </a:solidFill>
-            </a:endParaRPr>
-          </a:p>
-          <a:p>
-            <a:pPr marL="285750" indent="-285750">
-              <a:buFont typeface="Arial" panose="020B0604020202020204" pitchFamily="34" charset="0"/>
-              <a:buChar char="•"/>
-            </a:pPr>
-            <a:r>
-              <a:rPr lang="it-IT" dirty="0">
-                <a:solidFill>
-                  <a:schemeClr val="bg1"/>
-                </a:solidFill>
-              </a:rPr>
-              <a:t>Nella parte bassa della schermata verranno visualizzati in successione tutti i post dell’utente che si sta osservando.</a:t>
-            </a:r>
-          </a:p>
-          <a:p>
-            <a:pPr marL="285750" indent="-285750">
-              <a:buFont typeface="Arial" panose="020B0604020202020204" pitchFamily="34" charset="0"/>
-              <a:buChar char="•"/>
-            </a:pPr>
-            <a:endParaRPr lang="it-IT" dirty="0">
-              <a:solidFill>
-                <a:schemeClr val="bg1"/>
-              </a:solidFill>
-            </a:endParaRPr>
-          </a:p>
-          <a:p>
-            <a:pPr marL="285750" indent="-285750">
-              <a:buFont typeface="Arial" panose="020B0604020202020204" pitchFamily="34" charset="0"/>
-              <a:buChar char="•"/>
-            </a:pPr>
-            <a:r>
-              <a:rPr lang="it-IT" dirty="0">
-                <a:solidFill>
-                  <a:schemeClr val="bg1"/>
-                </a:solidFill>
-              </a:rPr>
-              <a:t>La pagina profilo presenterà un bottone che permetta di modificarlo. </a:t>
-            </a:r>
-          </a:p>
-          <a:p>
-            <a:pPr marL="285750" indent="-285750">
-              <a:buFont typeface="Arial" panose="020B0604020202020204" pitchFamily="34" charset="0"/>
-              <a:buChar char="•"/>
-            </a:pPr>
-            <a:endParaRPr lang="it-IT" dirty="0">
-              <a:solidFill>
-                <a:schemeClr val="bg1"/>
-              </a:solidFill>
-            </a:endParaRPr>
-          </a:p>
-          <a:p>
-            <a:pPr marL="285750" indent="-285750">
-              <a:buFont typeface="Arial" panose="020B0604020202020204" pitchFamily="34" charset="0"/>
-              <a:buChar char="•"/>
-            </a:pPr>
-            <a:r>
-              <a:rPr lang="it-IT" dirty="0">
-                <a:solidFill>
-                  <a:schemeClr val="bg1"/>
-                </a:solidFill>
-              </a:rPr>
-              <a:t>Da questa schermata sarà possibile inoltre eliminare uno o più post precedentemente inseriti. </a:t>
+              <a:t>Saranno presenti dei filtri permetteranno di mostrare solo I post che rispondono ad essi.</a:t>
             </a:r>
           </a:p>
           <a:p>
@@ -5488,7 +5378,7 @@
     </p:spTree>
     <p:extLst>
       <p:ext uri="{BB962C8B-B14F-4D97-AF65-F5344CB8AC3E}">
-        <p14:creationId xmlns:p14="http://schemas.microsoft.com/office/powerpoint/2010/main" val="3027013094"/>
+        <p14:creationId xmlns:p14="http://schemas.microsoft.com/office/powerpoint/2010/main" val="1866320033"/>
       </p:ext>
     </p:extLst>
   </p:cSld>
@@ -5542,16 +5432,34 @@
           <a:bodyPr/>
           <a:lstStyle/>
           <a:p>
+            <a:pPr marL="285750" indent="-285750">
+              <a:buFont typeface="Arial" panose="020B0604020202020204" pitchFamily="34" charset="0"/>
+              <a:buChar char="•"/>
+            </a:pPr>
             <a:r>
               <a:rPr lang="it-IT" dirty="0">
                 <a:solidFill>
                   <a:schemeClr val="bg1"/>
                 </a:solidFill>
               </a:rPr>
-              <a:t>La pagina Aggiungi permetterà di aggiungere un post alla volta.</a:t>
-            </a:r>
-          </a:p>
-          <a:p>
+              <a:t>La pagina del profilo permetterà di visualizzare tutte le </a:t>
+            </a:r>
+          </a:p>
+          <a:p>
+            <a:r>
+              <a:rPr lang="it-IT" dirty="0">
+                <a:solidFill>
+                  <a:schemeClr val="bg1"/>
+                </a:solidFill>
+              </a:rPr>
+              <a:t>     caratteristiche di un profilo utente.</a:t>
+            </a:r>
+          </a:p>
+          <a:p>
+            <a:pPr marL="285750" indent="-285750">
+              <a:buFont typeface="Arial" panose="020B0604020202020204" pitchFamily="34" charset="0"/>
+              <a:buChar char="•"/>
+            </a:pPr>
             <a:endParaRPr lang="it-IT" dirty="0">
               <a:solidFill>
                 <a:schemeClr val="bg1"/>
@@ -5559,50 +5467,67 @@
             </a:endParaRPr>
           </a:p>
           <a:p>
+            <a:pPr marL="285750" indent="-285750">
+              <a:buFont typeface="Arial" panose="020B0604020202020204" pitchFamily="34" charset="0"/>
+              <a:buChar char="•"/>
+            </a:pPr>
             <a:r>
               <a:rPr lang="it-IT" dirty="0">
                 <a:solidFill>
                   <a:schemeClr val="bg1"/>
                 </a:solidFill>
               </a:rPr>
-              <a:t>Per essere aggiunto, un post deve soddisfare i requisiti richiesti </a:t>
-            </a:r>
-          </a:p>
-          <a:p>
+              <a:t>Nella parte bassa della schermata verranno visualizzati in successione tutti i post dell’utente che si sta osservando.</a:t>
+            </a:r>
+          </a:p>
+          <a:p>
+            <a:pPr marL="285750" indent="-285750">
+              <a:buFont typeface="Arial" panose="020B0604020202020204" pitchFamily="34" charset="0"/>
+              <a:buChar char="•"/>
+            </a:pPr>
+            <a:endParaRPr lang="it-IT" dirty="0">
+              <a:solidFill>
+                <a:schemeClr val="bg1"/>
+              </a:solidFill>
+            </a:endParaRPr>
+          </a:p>
+          <a:p>
+            <a:pPr marL="285750" indent="-285750">
+              <a:buFont typeface="Arial" panose="020B0604020202020204" pitchFamily="34" charset="0"/>
+              <a:buChar char="•"/>
+            </a:pPr>
             <a:r>
               <a:rPr lang="it-IT" dirty="0">
                 <a:solidFill>
                   <a:schemeClr val="bg1"/>
                 </a:solidFill>
               </a:rPr>
-              <a:t>nella diapositiva successiva.</a:t>
-            </a:r>
-          </a:p>
-          <a:p>
-            <a:endParaRPr lang="it-IT" u="sng" dirty="0">
+              <a:t>La pagina profilo presenterà un bottone che permetta di modificarlo. </a:t>
+            </a:r>
+          </a:p>
+          <a:p>
+            <a:pPr marL="285750" indent="-285750">
+              <a:buFont typeface="Arial" panose="020B0604020202020204" pitchFamily="34" charset="0"/>
+              <a:buChar char="•"/>
+            </a:pPr>
+            <a:endParaRPr lang="it-IT" dirty="0">
               <a:solidFill>
                 <a:schemeClr val="bg1"/>
               </a:solidFill>
             </a:endParaRPr>
           </a:p>
           <a:p>
+            <a:pPr marL="285750" indent="-285750">
+              <a:buFont typeface="Arial" panose="020B0604020202020204" pitchFamily="34" charset="0"/>
+              <a:buChar char="•"/>
+            </a:pPr>
             <a:r>
               <a:rPr lang="it-IT" dirty="0">
                 <a:solidFill>
                   <a:schemeClr val="bg1"/>
                 </a:solidFill>
               </a:rPr>
-              <a:t>Aggiungendo un post l’utente avrà la possibilità di inserire i tag </a:t>
-            </a:r>
-          </a:p>
-          <a:p>
-            <a:r>
-              <a:rPr lang="it-IT" dirty="0">
-                <a:solidFill>
-                  <a:schemeClr val="bg1"/>
-                </a:solidFill>
-              </a:rPr>
-              <a:t>riguardanti l’abbigliamento indossato.</a:t>
+              <a:t>Da questa schermata sarà possibile inoltre eliminare uno o più post precedentemente inseriti. </a:t>
             </a:r>
           </a:p>
           <a:p>
@@ -5637,7 +5562,7 @@
     </p:spTree>
     <p:extLst>
       <p:ext uri="{BB962C8B-B14F-4D97-AF65-F5344CB8AC3E}">
-        <p14:creationId xmlns:p14="http://schemas.microsoft.com/office/powerpoint/2010/main" val="612144650"/>
+        <p14:creationId xmlns:p14="http://schemas.microsoft.com/office/powerpoint/2010/main" val="3027013094"/>
       </p:ext>
     </p:extLst>
   </p:cSld>
@@ -5691,132 +5616,67 @@
           <a:bodyPr/>
           <a:lstStyle/>
           <a:p>
-            <a:pPr>
-              <a:lnSpc>
-                <a:spcPct val="90000"/>
-              </a:lnSpc>
-              <a:spcAft>
-                <a:spcPts val="600"/>
-              </a:spcAft>
-            </a:pPr>
-            <a:r>
-              <a:rPr lang="it-IT" sz="1200" dirty="0">
+            <a:r>
+              <a:rPr lang="it-IT" dirty="0">
                 <a:solidFill>
                   <a:schemeClr val="bg1"/>
                 </a:solidFill>
               </a:rPr>
-              <a:t>Per essere inserito, un post deve possedere una foto, l’utente deve essere loggato e devono essere </a:t>
-            </a:r>
-            <a:r>
-              <a:rPr lang="it-IT" sz="1200" noProof="1">
+              <a:t>La pagina Aggiungi permetterà di aggiungere un post alla volta.</a:t>
+            </a:r>
+          </a:p>
+          <a:p>
+            <a:endParaRPr lang="it-IT" dirty="0">
+              <a:solidFill>
+                <a:schemeClr val="bg1"/>
+              </a:solidFill>
+            </a:endParaRPr>
+          </a:p>
+          <a:p>
+            <a:r>
+              <a:rPr lang="it-IT" dirty="0">
                 <a:solidFill>
                   <a:schemeClr val="bg1"/>
                 </a:solidFill>
               </a:rPr>
-              <a:t>inseriti</a:t>
-            </a:r>
-            <a:r>
-              <a:rPr lang="it-IT" sz="1200" dirty="0">
+              <a:t>Per essere aggiunto, un post deve soddisfare i requisiti richiesti </a:t>
+            </a:r>
+          </a:p>
+          <a:p>
+            <a:r>
+              <a:rPr lang="it-IT" dirty="0">
                 <a:solidFill>
                   <a:schemeClr val="bg1"/>
                 </a:solidFill>
               </a:rPr>
-              <a:t> i vari criteri utili per la ricerca.</a:t>
-            </a:r>
-          </a:p>
-          <a:p>
-            <a:pPr indent="-228600">
-              <a:lnSpc>
-                <a:spcPct val="90000"/>
-              </a:lnSpc>
-              <a:spcAft>
-                <a:spcPts val="600"/>
-              </a:spcAft>
-              <a:buFont typeface="Arial" panose="020B0604020202020204" pitchFamily="34" charset="0"/>
-              <a:buChar char="•"/>
-            </a:pPr>
-            <a:endParaRPr lang="it-IT" sz="1200" dirty="0">
+              <a:t>nella diapositiva successiva.</a:t>
+            </a:r>
+          </a:p>
+          <a:p>
+            <a:endParaRPr lang="it-IT" u="sng" dirty="0">
               <a:solidFill>
                 <a:schemeClr val="bg1"/>
               </a:solidFill>
             </a:endParaRPr>
           </a:p>
           <a:p>
-            <a:pPr>
-              <a:lnSpc>
-                <a:spcPct val="90000"/>
-              </a:lnSpc>
-              <a:spcAft>
-                <a:spcPts val="600"/>
-              </a:spcAft>
-            </a:pPr>
-            <a:r>
-              <a:rPr lang="it-IT" sz="1200" dirty="0">
+            <a:r>
+              <a:rPr lang="it-IT" dirty="0">
                 <a:solidFill>
                   <a:schemeClr val="bg1"/>
                 </a:solidFill>
               </a:rPr>
-              <a:t>In un post opzionalmente si possono aggiungere:</a:t>
-            </a:r>
-          </a:p>
-          <a:p>
-            <a:pPr marL="342900" indent="-285750">
-              <a:lnSpc>
-                <a:spcPct val="90000"/>
-              </a:lnSpc>
-              <a:spcAft>
-                <a:spcPts val="600"/>
-              </a:spcAft>
-              <a:buFont typeface="Arial" panose="020B0604020202020204" pitchFamily="34" charset="0"/>
-              <a:buChar char="•"/>
-            </a:pPr>
-            <a:r>
-              <a:rPr lang="it-IT" sz="1200" dirty="0">
+              <a:t>Aggiungendo un post l’utente avrà la possibilità di inserire i tag </a:t>
+            </a:r>
+          </a:p>
+          <a:p>
+            <a:r>
+              <a:rPr lang="it-IT" dirty="0">
                 <a:solidFill>
                   <a:schemeClr val="bg1"/>
                 </a:solidFill>
               </a:rPr>
-              <a:t>Descrizione, che permette di scrivere un breve testo.</a:t>
-            </a:r>
-          </a:p>
-          <a:p>
-            <a:pPr marL="342900" indent="-285750">
-              <a:lnSpc>
-                <a:spcPct val="90000"/>
-              </a:lnSpc>
-              <a:spcAft>
-                <a:spcPts val="600"/>
-              </a:spcAft>
-              <a:buFont typeface="Arial" panose="020B0604020202020204" pitchFamily="34" charset="0"/>
-              <a:buChar char="•"/>
-            </a:pPr>
-            <a:r>
-              <a:rPr lang="it-IT" sz="1200" dirty="0">
-                <a:solidFill>
-                  <a:schemeClr val="bg1"/>
-                </a:solidFill>
-              </a:rPr>
-              <a:t>Tag, che riportano l’URL del sito dove è possibile acquistare il capo d’abbigliamento a cui fa riferimento.</a:t>
-            </a:r>
-          </a:p>
-          <a:p>
-            <a:pPr marL="342900" indent="-285750">
-              <a:lnSpc>
-                <a:spcPct val="90000"/>
-              </a:lnSpc>
-              <a:spcAft>
-                <a:spcPts val="600"/>
-              </a:spcAft>
-              <a:buFont typeface="Arial" panose="020B0604020202020204" pitchFamily="34" charset="0"/>
-              <a:buChar char="•"/>
-            </a:pPr>
-            <a:r>
-              <a:rPr lang="it-IT" sz="1200" dirty="0">
-                <a:solidFill>
-                  <a:schemeClr val="bg1"/>
-                </a:solidFill>
-              </a:rPr>
-              <a:t>Un collegamento ad un altro profilo (generalmente inserito se nel post sono presenti altri utenti dell’applicazione).</a:t>
+              <a:t>riguardanti l’abbigliamento indossato.</a:t>
             </a:r>
           </a:p>
           <a:p>
@@ -5851,7 +5711,7 @@
     </p:spTree>
     <p:extLst>
       <p:ext uri="{BB962C8B-B14F-4D97-AF65-F5344CB8AC3E}">
-        <p14:creationId xmlns:p14="http://schemas.microsoft.com/office/powerpoint/2010/main" val="429664561"/>
+        <p14:creationId xmlns:p14="http://schemas.microsoft.com/office/powerpoint/2010/main" val="612144650"/>
       </p:ext>
     </p:extLst>
   </p:cSld>
@@ -6088,7 +5948,7 @@
             <a:fld id="{B61BEF0D-F0BB-DE4B-95CE-6DB70DBA9567}" type="datetimeFigureOut">
               <a:rPr lang="en-US" smtClean="0"/>
               <a:pPr/>
-              <a:t>5/22/2022</a:t>
+              <a:t>5/25/2022</a:t>
             </a:fld>
             <a:endParaRPr lang="en-US" dirty="0"/>
           </a:p>
@@ -9843,6 +9703,324 @@
       </p:grpSpPr>
       <p:sp>
         <p:nvSpPr>
+          <p:cNvPr id="7" name="Rettangolo con due angoli in diagonale arrotondati 6">
+            <a:extLst>
+              <a:ext uri="{FF2B5EF4-FFF2-40B4-BE49-F238E27FC236}">
+                <a16:creationId xmlns:a16="http://schemas.microsoft.com/office/drawing/2014/main" id="{A46B035A-8FB8-47AB-923E-1A5757D1991E}"/>
+              </a:ext>
+            </a:extLst>
+          </p:cNvPr>
+          <p:cNvSpPr/>
+          <p:nvPr/>
+        </p:nvSpPr>
+        <p:spPr>
+          <a:xfrm>
+            <a:off x="164199" y="2616714"/>
+            <a:ext cx="1258292" cy="1264069"/>
+          </a:xfrm>
+          <a:prstGeom prst="round2DiagRect">
+            <a:avLst>
+              <a:gd name="adj1" fmla="val 29727"/>
+              <a:gd name="adj2" fmla="val 0"/>
+            </a:avLst>
+          </a:prstGeom>
+          <a:solidFill>
+            <a:srgbClr val="C82A1E"/>
+          </a:solidFill>
+        </p:spPr>
+        <p:style>
+          <a:lnRef idx="0">
+            <a:schemeClr val="lt1">
+              <a:alpha val="0"/>
+              <a:hueOff val="0"/>
+              <a:satOff val="0"/>
+              <a:lumOff val="0"/>
+              <a:alphaOff val="0"/>
+            </a:schemeClr>
+          </a:lnRef>
+          <a:fillRef idx="1">
+            <a:scrgbClr r="0" g="0" b="0"/>
+          </a:fillRef>
+          <a:effectRef idx="0">
+            <a:schemeClr val="accent5">
+              <a:hueOff val="0"/>
+              <a:satOff val="0"/>
+              <a:lumOff val="0"/>
+              <a:alphaOff val="0"/>
+            </a:schemeClr>
+          </a:effectRef>
+          <a:fontRef idx="minor"/>
+        </p:style>
+      </p:sp>
+      <p:sp>
+        <p:nvSpPr>
+          <p:cNvPr id="2" name="Titolo 1">
+            <a:extLst>
+              <a:ext uri="{FF2B5EF4-FFF2-40B4-BE49-F238E27FC236}">
+                <a16:creationId xmlns:a16="http://schemas.microsoft.com/office/drawing/2014/main" id="{EA4C6787-F094-4095-8753-A7EE42D628CA}"/>
+              </a:ext>
+            </a:extLst>
+          </p:cNvPr>
+          <p:cNvSpPr>
+            <a:spLocks noGrp="1"/>
+          </p:cNvSpPr>
+          <p:nvPr>
+            <p:ph type="title" idx="4294967295"/>
+          </p:nvPr>
+        </p:nvSpPr>
+        <p:spPr>
+          <a:xfrm>
+            <a:off x="1426456" y="2162003"/>
+            <a:ext cx="2756807" cy="1449387"/>
+          </a:xfrm>
+        </p:spPr>
+        <p:txBody>
+          <a:bodyPr/>
+          <a:lstStyle/>
+          <a:p>
+            <a:r>
+              <a:rPr lang="it-IT" sz="5400" b="1" dirty="0"/>
+              <a:t>Aggiungi</a:t>
+            </a:r>
+            <a:endParaRPr lang="it-IT" dirty="0"/>
+          </a:p>
+        </p:txBody>
+      </p:sp>
+      <p:cxnSp>
+        <p:nvCxnSpPr>
+          <p:cNvPr id="5" name="Connettore diritto 4">
+            <a:extLst>
+              <a:ext uri="{FF2B5EF4-FFF2-40B4-BE49-F238E27FC236}">
+                <a16:creationId xmlns:a16="http://schemas.microsoft.com/office/drawing/2014/main" id="{240F784F-B77B-4582-957B-ED7352C25C52}"/>
+              </a:ext>
+            </a:extLst>
+          </p:cNvPr>
+          <p:cNvCxnSpPr/>
+          <p:nvPr/>
+        </p:nvCxnSpPr>
+        <p:spPr>
+          <a:xfrm>
+            <a:off x="3932581" y="793609"/>
+            <a:ext cx="0" cy="4652010"/>
+          </a:xfrm>
+          <a:prstGeom prst="line">
+            <a:avLst/>
+          </a:prstGeom>
+          <a:ln w="12700">
+            <a:solidFill>
+              <a:srgbClr val="404040"/>
+            </a:solidFill>
+          </a:ln>
+        </p:spPr>
+        <p:style>
+          <a:lnRef idx="1">
+            <a:schemeClr val="accent1"/>
+          </a:lnRef>
+          <a:fillRef idx="0">
+            <a:schemeClr val="accent1"/>
+          </a:fillRef>
+          <a:effectRef idx="0">
+            <a:schemeClr val="accent1"/>
+          </a:effectRef>
+          <a:fontRef idx="minor">
+            <a:schemeClr val="tx1"/>
+          </a:fontRef>
+        </p:style>
+      </p:cxnSp>
+      <p:sp>
+        <p:nvSpPr>
+          <p:cNvPr id="8" name="Rettangolo 7" descr="Aggiungere">
+            <a:extLst>
+              <a:ext uri="{FF2B5EF4-FFF2-40B4-BE49-F238E27FC236}">
+                <a16:creationId xmlns:a16="http://schemas.microsoft.com/office/drawing/2014/main" id="{55F8242F-AF95-4AF5-AF62-019C93463B00}"/>
+              </a:ext>
+            </a:extLst>
+          </p:cNvPr>
+          <p:cNvSpPr/>
+          <p:nvPr/>
+        </p:nvSpPr>
+        <p:spPr>
+          <a:xfrm>
+            <a:off x="430702" y="2886105"/>
+            <a:ext cx="725285" cy="725285"/>
+          </a:xfrm>
+          <a:prstGeom prst="rect">
+            <a:avLst/>
+          </a:prstGeom>
+          <a:blipFill>
+            <a:blip r:embed="rId3">
+              <a:extLst>
+                <a:ext uri="{28A0092B-C50C-407E-A947-70E740481C1C}">
+                  <a14:useLocalDpi xmlns:a14="http://schemas.microsoft.com/office/drawing/2010/main" val="0"/>
+                </a:ext>
+                <a:ext uri="{96DAC541-7B7A-43D3-8B79-37D633B846F1}">
+                  <asvg:svgBlip xmlns:asvg="http://schemas.microsoft.com/office/drawing/2016/SVG/main" r:embed="rId4"/>
+                </a:ext>
+              </a:extLst>
+            </a:blip>
+            <a:stretch>
+              <a:fillRect/>
+            </a:stretch>
+          </a:blipFill>
+          <a:ln>
+            <a:noFill/>
+          </a:ln>
+        </p:spPr>
+        <p:style>
+          <a:lnRef idx="2">
+            <a:scrgbClr r="0" g="0" b="0"/>
+          </a:lnRef>
+          <a:fillRef idx="1">
+            <a:scrgbClr r="0" g="0" b="0"/>
+          </a:fillRef>
+          <a:effectRef idx="0">
+            <a:schemeClr val="bg1">
+              <a:hueOff val="0"/>
+              <a:satOff val="0"/>
+              <a:lumOff val="0"/>
+              <a:alphaOff val="0"/>
+            </a:schemeClr>
+          </a:effectRef>
+          <a:fontRef idx="minor">
+            <a:schemeClr val="dk1">
+              <a:hueOff val="0"/>
+              <a:satOff val="0"/>
+              <a:lumOff val="0"/>
+              <a:alphaOff val="0"/>
+            </a:schemeClr>
+          </a:fontRef>
+        </p:style>
+      </p:sp>
+      <p:pic>
+        <p:nvPicPr>
+          <p:cNvPr id="11" name="Immagine 10">
+            <a:extLst>
+              <a:ext uri="{FF2B5EF4-FFF2-40B4-BE49-F238E27FC236}">
+                <a16:creationId xmlns:a16="http://schemas.microsoft.com/office/drawing/2014/main" id="{88F0B804-4ED1-4BB2-B250-E5B5681524DA}"/>
+              </a:ext>
+            </a:extLst>
+          </p:cNvPr>
+          <p:cNvPicPr>
+            <a:picLocks noChangeAspect="1"/>
+          </p:cNvPicPr>
+          <p:nvPr/>
+        </p:nvPicPr>
+        <p:blipFill>
+          <a:blip r:embed="rId5">
+            <a:extLst>
+              <a:ext uri="{28A0092B-C50C-407E-A947-70E740481C1C}">
+                <a14:useLocalDpi xmlns:a14="http://schemas.microsoft.com/office/drawing/2010/main" val="0"/>
+              </a:ext>
+            </a:extLst>
+          </a:blip>
+          <a:stretch>
+            <a:fillRect/>
+          </a:stretch>
+        </p:blipFill>
+        <p:spPr>
+          <a:xfrm>
+            <a:off x="10539800" y="4869180"/>
+            <a:ext cx="1940717" cy="1639487"/>
+          </a:xfrm>
+          <a:prstGeom prst="rect">
+            <a:avLst/>
+          </a:prstGeom>
+        </p:spPr>
+      </p:pic>
+      <p:pic>
+        <p:nvPicPr>
+          <p:cNvPr id="4" name="Immagine 3">
+            <a:extLst>
+              <a:ext uri="{FF2B5EF4-FFF2-40B4-BE49-F238E27FC236}">
+                <a16:creationId xmlns:a16="http://schemas.microsoft.com/office/drawing/2014/main" id="{EE714DDE-80A1-1AD6-B7D1-4F555A660204}"/>
+              </a:ext>
+            </a:extLst>
+          </p:cNvPr>
+          <p:cNvPicPr>
+            <a:picLocks noChangeAspect="1"/>
+          </p:cNvPicPr>
+          <p:nvPr/>
+        </p:nvPicPr>
+        <p:blipFill>
+          <a:blip r:embed="rId6"/>
+          <a:stretch>
+            <a:fillRect/>
+          </a:stretch>
+        </p:blipFill>
+        <p:spPr>
+          <a:xfrm>
+            <a:off x="6756221" y="1763487"/>
+            <a:ext cx="5174521" cy="2503714"/>
+          </a:xfrm>
+          <a:prstGeom prst="rect">
+            <a:avLst/>
+          </a:prstGeom>
+        </p:spPr>
+      </p:pic>
+      <p:pic>
+        <p:nvPicPr>
+          <p:cNvPr id="9" name="Immagine 8">
+            <a:extLst>
+              <a:ext uri="{FF2B5EF4-FFF2-40B4-BE49-F238E27FC236}">
+                <a16:creationId xmlns:a16="http://schemas.microsoft.com/office/drawing/2014/main" id="{E1A64BF8-6630-3142-A5E1-01341D6B4C93}"/>
+              </a:ext>
+            </a:extLst>
+          </p:cNvPr>
+          <p:cNvPicPr>
+            <a:picLocks noChangeAspect="1"/>
+          </p:cNvPicPr>
+          <p:nvPr/>
+        </p:nvPicPr>
+        <p:blipFill rotWithShape="1">
+          <a:blip r:embed="rId7"/>
+          <a:srcRect l="1631" t="174" b="1387"/>
+          <a:stretch/>
+        </p:blipFill>
+        <p:spPr>
+          <a:xfrm>
+            <a:off x="4077763" y="608610"/>
+            <a:ext cx="2427415" cy="5302333"/>
+          </a:xfrm>
+          <a:prstGeom prst="rect">
+            <a:avLst/>
+          </a:prstGeom>
+        </p:spPr>
+      </p:pic>
+    </p:spTree>
+    <p:extLst>
+      <p:ext uri="{BB962C8B-B14F-4D97-AF65-F5344CB8AC3E}">
+        <p14:creationId xmlns:p14="http://schemas.microsoft.com/office/powerpoint/2010/main" val="2267529236"/>
+      </p:ext>
+    </p:extLst>
+  </p:cSld>
+  <p:clrMapOvr>
+    <a:masterClrMapping/>
+  </p:clrMapOvr>
+  <p:transition spd="med">
+    <p:pull/>
+  </p:transition>
+</p:sld>
+</file>
+
+<file path=ppt/slides/slide11.xml><?xml version="1.0" encoding="utf-8"?>
+<p:sld xmlns:a="http://schemas.openxmlformats.org/drawingml/2006/main" xmlns:r="http://schemas.openxmlformats.org/officeDocument/2006/relationships" xmlns:p="http://schemas.openxmlformats.org/presentationml/2006/main">
+  <p:cSld>
+    <p:spTree>
+      <p:nvGrpSpPr>
+        <p:cNvPr id="1" name=""/>
+        <p:cNvGrpSpPr/>
+        <p:nvPr/>
+      </p:nvGrpSpPr>
+      <p:grpSpPr>
+        <a:xfrm>
+          <a:off x="0" y="0"/>
+          <a:ext cx="0" cy="0"/>
+          <a:chOff x="0" y="0"/>
+          <a:chExt cx="0" cy="0"/>
+        </a:xfrm>
+      </p:grpSpPr>
+      <p:sp>
+        <p:nvSpPr>
           <p:cNvPr id="2" name="Titolo 1">
             <a:extLst>
               <a:ext uri="{FF2B5EF4-FFF2-40B4-BE49-F238E27FC236}">
@@ -10007,7 +10185,7 @@
 </p:sld>
 </file>
 
-<file path=ppt/slides/slide11.xml><?xml version="1.0" encoding="utf-8"?>
+<file path=ppt/slides/slide12.xml><?xml version="1.0" encoding="utf-8"?>
 <p:sld xmlns:a="http://schemas.openxmlformats.org/drawingml/2006/main" xmlns:r="http://schemas.openxmlformats.org/officeDocument/2006/relationships" xmlns:p="http://schemas.openxmlformats.org/presentationml/2006/main">
   <p:cSld>
     <p:spTree>
@@ -10042,21 +10220,21 @@
         </p:nvSpPr>
         <p:spPr>
           <a:xfrm>
-            <a:off x="431321" y="2767468"/>
-            <a:ext cx="3078513" cy="704292"/>
+            <a:off x="1476184" y="2707242"/>
+            <a:ext cx="1268030" cy="824741"/>
           </a:xfrm>
         </p:spPr>
         <p:txBody>
           <a:bodyPr>
-            <a:noAutofit/>
+            <a:normAutofit/>
           </a:bodyPr>
           <a:lstStyle/>
           <a:p>
             <a:r>
               <a:rPr lang="it-IT" sz="5400" b="1" dirty="0"/>
-              <a:t>Preferenze</a:t>
-            </a:r>
-            <a:endParaRPr lang="it-IT" sz="5400" dirty="0"/>
+              <a:t>Tag</a:t>
+            </a:r>
+            <a:endParaRPr lang="it-IT" dirty="0"/>
           </a:p>
         </p:txBody>
       </p:sp>
@@ -10137,161 +10315,6 @@
           </a:prstGeom>
         </p:spPr>
       </p:pic>
-    </p:spTree>
-    <p:extLst>
-      <p:ext uri="{BB962C8B-B14F-4D97-AF65-F5344CB8AC3E}">
-        <p14:creationId xmlns:p14="http://schemas.microsoft.com/office/powerpoint/2010/main" val="2511434986"/>
-      </p:ext>
-    </p:extLst>
-  </p:cSld>
-  <p:clrMapOvr>
-    <a:masterClrMapping/>
-  </p:clrMapOvr>
-  <mc:AlternateContent xmlns:mc="http://schemas.openxmlformats.org/markup-compatibility/2006" xmlns:p15="http://schemas.microsoft.com/office/powerpoint/2012/main">
-    <mc:Choice Requires="p15">
-      <p:transition xmlns:p14="http://schemas.microsoft.com/office/powerpoint/2010/main" spd="slow" p14:dur="1250">
-        <p15:prstTrans prst="peelOff"/>
-      </p:transition>
-    </mc:Choice>
-    <mc:Fallback xmlns="">
-      <p:transition spd="slow">
-        <p:fade/>
-      </p:transition>
-    </mc:Fallback>
-  </mc:AlternateContent>
-</p:sld>
-</file>
-
-<file path=ppt/slides/slide12.xml><?xml version="1.0" encoding="utf-8"?>
-<p:sld xmlns:a="http://schemas.openxmlformats.org/drawingml/2006/main" xmlns:r="http://schemas.openxmlformats.org/officeDocument/2006/relationships" xmlns:p="http://schemas.openxmlformats.org/presentationml/2006/main">
-  <p:cSld>
-    <p:spTree>
-      <p:nvGrpSpPr>
-        <p:cNvPr id="1" name=""/>
-        <p:cNvGrpSpPr/>
-        <p:nvPr/>
-      </p:nvGrpSpPr>
-      <p:grpSpPr>
-        <a:xfrm>
-          <a:off x="0" y="0"/>
-          <a:ext cx="0" cy="0"/>
-          <a:chOff x="0" y="0"/>
-          <a:chExt cx="0" cy="0"/>
-        </a:xfrm>
-      </p:grpSpPr>
-      <p:sp>
-        <p:nvSpPr>
-          <p:cNvPr id="2" name="Titolo 1">
-            <a:extLst>
-              <a:ext uri="{FF2B5EF4-FFF2-40B4-BE49-F238E27FC236}">
-                <a16:creationId xmlns:a16="http://schemas.microsoft.com/office/drawing/2014/main" id="{EA4C6787-F094-4095-8753-A7EE42D628CA}"/>
-              </a:ext>
-            </a:extLst>
-          </p:cNvPr>
-          <p:cNvSpPr>
-            <a:spLocks noGrp="1"/>
-          </p:cNvSpPr>
-          <p:nvPr>
-            <p:ph type="title" idx="4294967295"/>
-          </p:nvPr>
-        </p:nvSpPr>
-        <p:spPr>
-          <a:xfrm>
-            <a:off x="1476184" y="2707242"/>
-            <a:ext cx="1268030" cy="824741"/>
-          </a:xfrm>
-        </p:spPr>
-        <p:txBody>
-          <a:bodyPr>
-            <a:normAutofit/>
-          </a:bodyPr>
-          <a:lstStyle/>
-          <a:p>
-            <a:r>
-              <a:rPr lang="it-IT" sz="5400" b="1" dirty="0"/>
-              <a:t>Tag</a:t>
-            </a:r>
-            <a:endParaRPr lang="it-IT" dirty="0"/>
-          </a:p>
-        </p:txBody>
-      </p:sp>
-      <p:cxnSp>
-        <p:nvCxnSpPr>
-          <p:cNvPr id="5" name="Connettore diritto 4">
-            <a:extLst>
-              <a:ext uri="{FF2B5EF4-FFF2-40B4-BE49-F238E27FC236}">
-                <a16:creationId xmlns:a16="http://schemas.microsoft.com/office/drawing/2014/main" id="{240F784F-B77B-4582-957B-ED7352C25C52}"/>
-              </a:ext>
-            </a:extLst>
-          </p:cNvPr>
-          <p:cNvCxnSpPr/>
-          <p:nvPr/>
-        </p:nvCxnSpPr>
-        <p:spPr>
-          <a:xfrm>
-            <a:off x="3932581" y="793609"/>
-            <a:ext cx="0" cy="4652010"/>
-          </a:xfrm>
-          <a:prstGeom prst="line">
-            <a:avLst/>
-          </a:prstGeom>
-          <a:ln w="12700">
-            <a:solidFill>
-              <a:srgbClr val="404040"/>
-            </a:solidFill>
-          </a:ln>
-        </p:spPr>
-        <p:style>
-          <a:lnRef idx="1">
-            <a:schemeClr val="accent1"/>
-          </a:lnRef>
-          <a:fillRef idx="0">
-            <a:schemeClr val="accent1"/>
-          </a:fillRef>
-          <a:effectRef idx="0">
-            <a:schemeClr val="accent1"/>
-          </a:effectRef>
-          <a:fontRef idx="minor">
-            <a:schemeClr val="tx1"/>
-          </a:fontRef>
-        </p:style>
-      </p:cxnSp>
-      <p:pic>
-        <p:nvPicPr>
-          <p:cNvPr id="11" name="Immagine 10">
-            <a:extLst>
-              <a:ext uri="{FF2B5EF4-FFF2-40B4-BE49-F238E27FC236}">
-                <a16:creationId xmlns:a16="http://schemas.microsoft.com/office/drawing/2014/main" id="{88F0B804-4ED1-4BB2-B250-E5B5681524DA}"/>
-              </a:ext>
-            </a:extLst>
-          </p:cNvPr>
-          <p:cNvPicPr>
-            <a:picLocks noChangeAspect="1"/>
-          </p:cNvPicPr>
-          <p:nvPr/>
-        </p:nvPicPr>
-        <p:blipFill>
-          <a:blip r:embed="rId3">
-            <a:extLst>
-              <a:ext uri="{28A0092B-C50C-407E-A947-70E740481C1C}">
-                <a14:useLocalDpi xmlns:a14="http://schemas.microsoft.com/office/drawing/2010/main" val="0"/>
-              </a:ext>
-            </a:extLst>
-          </a:blip>
-          <a:stretch>
-            <a:fillRect/>
-          </a:stretch>
-        </p:blipFill>
-        <p:spPr>
-          <a:xfrm>
-            <a:off x="10539800" y="4869180"/>
-            <a:ext cx="1940717" cy="1639487"/>
-          </a:xfrm>
-          <a:prstGeom prst="rect">
-            <a:avLst/>
-          </a:prstGeom>
-        </p:spPr>
-      </p:pic>
       <p:sp>
         <p:nvSpPr>
           <p:cNvPr id="3" name="Stella a 5 punte 2">
@@ -10397,220 +10420,6 @@
     <p:extLst>
       <p:ext uri="{BB962C8B-B14F-4D97-AF65-F5344CB8AC3E}">
         <p14:creationId xmlns:p14="http://schemas.microsoft.com/office/powerpoint/2010/main" val="933116414"/>
-      </p:ext>
-    </p:extLst>
-  </p:cSld>
-  <p:clrMapOvr>
-    <a:masterClrMapping/>
-  </p:clrMapOvr>
-  <mc:AlternateContent xmlns:mc="http://schemas.openxmlformats.org/markup-compatibility/2006" xmlns:p15="http://schemas.microsoft.com/office/powerpoint/2012/main">
-    <mc:Choice Requires="p15">
-      <p:transition xmlns:p14="http://schemas.microsoft.com/office/powerpoint/2010/main" spd="slow" p14:dur="1250">
-        <p15:prstTrans prst="peelOff"/>
-      </p:transition>
-    </mc:Choice>
-    <mc:Fallback xmlns="">
-      <p:transition spd="slow">
-        <p:fade/>
-      </p:transition>
-    </mc:Fallback>
-  </mc:AlternateContent>
-</p:sld>
-</file>
-
-<file path=ppt/slides/slide13.xml><?xml version="1.0" encoding="utf-8"?>
-<p:sld xmlns:a="http://schemas.openxmlformats.org/drawingml/2006/main" xmlns:r="http://schemas.openxmlformats.org/officeDocument/2006/relationships" xmlns:p="http://schemas.openxmlformats.org/presentationml/2006/main">
-  <p:cSld>
-    <p:spTree>
-      <p:nvGrpSpPr>
-        <p:cNvPr id="1" name=""/>
-        <p:cNvGrpSpPr/>
-        <p:nvPr/>
-      </p:nvGrpSpPr>
-      <p:grpSpPr>
-        <a:xfrm>
-          <a:off x="0" y="0"/>
-          <a:ext cx="0" cy="0"/>
-          <a:chOff x="0" y="0"/>
-          <a:chExt cx="0" cy="0"/>
-        </a:xfrm>
-      </p:grpSpPr>
-      <p:sp>
-        <p:nvSpPr>
-          <p:cNvPr id="2" name="Titolo 1">
-            <a:extLst>
-              <a:ext uri="{FF2B5EF4-FFF2-40B4-BE49-F238E27FC236}">
-                <a16:creationId xmlns:a16="http://schemas.microsoft.com/office/drawing/2014/main" id="{EA4C6787-F094-4095-8753-A7EE42D628CA}"/>
-              </a:ext>
-            </a:extLst>
-          </p:cNvPr>
-          <p:cNvSpPr>
-            <a:spLocks noGrp="1"/>
-          </p:cNvSpPr>
-          <p:nvPr>
-            <p:ph type="title" idx="4294967295"/>
-          </p:nvPr>
-        </p:nvSpPr>
-        <p:spPr>
-          <a:xfrm>
-            <a:off x="1044507" y="2767467"/>
-            <a:ext cx="3078513" cy="704292"/>
-          </a:xfrm>
-        </p:spPr>
-        <p:txBody>
-          <a:bodyPr>
-            <a:noAutofit/>
-          </a:bodyPr>
-          <a:lstStyle/>
-          <a:p>
-            <a:r>
-              <a:rPr lang="it-IT" sz="5400" b="1" dirty="0"/>
-              <a:t>Login</a:t>
-            </a:r>
-            <a:endParaRPr lang="it-IT" sz="5400" dirty="0"/>
-          </a:p>
-        </p:txBody>
-      </p:sp>
-      <p:cxnSp>
-        <p:nvCxnSpPr>
-          <p:cNvPr id="5" name="Connettore diritto 4">
-            <a:extLst>
-              <a:ext uri="{FF2B5EF4-FFF2-40B4-BE49-F238E27FC236}">
-                <a16:creationId xmlns:a16="http://schemas.microsoft.com/office/drawing/2014/main" id="{240F784F-B77B-4582-957B-ED7352C25C52}"/>
-              </a:ext>
-            </a:extLst>
-          </p:cNvPr>
-          <p:cNvCxnSpPr/>
-          <p:nvPr/>
-        </p:nvCxnSpPr>
-        <p:spPr>
-          <a:xfrm>
-            <a:off x="3932581" y="793609"/>
-            <a:ext cx="0" cy="4652010"/>
-          </a:xfrm>
-          <a:prstGeom prst="line">
-            <a:avLst/>
-          </a:prstGeom>
-          <a:ln w="12700">
-            <a:solidFill>
-              <a:srgbClr val="404040"/>
-            </a:solidFill>
-          </a:ln>
-        </p:spPr>
-        <p:style>
-          <a:lnRef idx="1">
-            <a:schemeClr val="accent1"/>
-          </a:lnRef>
-          <a:fillRef idx="0">
-            <a:schemeClr val="accent1"/>
-          </a:fillRef>
-          <a:effectRef idx="0">
-            <a:schemeClr val="accent1"/>
-          </a:effectRef>
-          <a:fontRef idx="minor">
-            <a:schemeClr val="tx1"/>
-          </a:fontRef>
-        </p:style>
-      </p:cxnSp>
-      <p:pic>
-        <p:nvPicPr>
-          <p:cNvPr id="11" name="Immagine 10">
-            <a:extLst>
-              <a:ext uri="{FF2B5EF4-FFF2-40B4-BE49-F238E27FC236}">
-                <a16:creationId xmlns:a16="http://schemas.microsoft.com/office/drawing/2014/main" id="{88F0B804-4ED1-4BB2-B250-E5B5681524DA}"/>
-              </a:ext>
-            </a:extLst>
-          </p:cNvPr>
-          <p:cNvPicPr>
-            <a:picLocks noChangeAspect="1"/>
-          </p:cNvPicPr>
-          <p:nvPr/>
-        </p:nvPicPr>
-        <p:blipFill>
-          <a:blip r:embed="rId3">
-            <a:extLst>
-              <a:ext uri="{28A0092B-C50C-407E-A947-70E740481C1C}">
-                <a14:useLocalDpi xmlns:a14="http://schemas.microsoft.com/office/drawing/2010/main" val="0"/>
-              </a:ext>
-            </a:extLst>
-          </a:blip>
-          <a:stretch>
-            <a:fillRect/>
-          </a:stretch>
-        </p:blipFill>
-        <p:spPr>
-          <a:xfrm>
-            <a:off x="10539800" y="4869180"/>
-            <a:ext cx="1940717" cy="1639487"/>
-          </a:xfrm>
-          <a:prstGeom prst="rect">
-            <a:avLst/>
-          </a:prstGeom>
-        </p:spPr>
-      </p:pic>
-      <p:pic>
-        <p:nvPicPr>
-          <p:cNvPr id="4" name="Immagine 3">
-            <a:extLst>
-              <a:ext uri="{FF2B5EF4-FFF2-40B4-BE49-F238E27FC236}">
-                <a16:creationId xmlns:a16="http://schemas.microsoft.com/office/drawing/2014/main" id="{C1C0BC03-B4DD-09F0-5C2F-ABD1BFF16B8E}"/>
-              </a:ext>
-            </a:extLst>
-          </p:cNvPr>
-          <p:cNvPicPr>
-            <a:picLocks noChangeAspect="1"/>
-          </p:cNvPicPr>
-          <p:nvPr/>
-        </p:nvPicPr>
-        <p:blipFill rotWithShape="1">
-          <a:blip r:embed="rId4"/>
-          <a:srcRect l="18828" t="17198" r="19799" b="15667"/>
-          <a:stretch/>
-        </p:blipFill>
-        <p:spPr>
-          <a:xfrm>
-            <a:off x="6610927" y="1574173"/>
-            <a:ext cx="5284486" cy="2791000"/>
-          </a:xfrm>
-          <a:prstGeom prst="rect">
-            <a:avLst/>
-          </a:prstGeom>
-        </p:spPr>
-      </p:pic>
-      <p:pic>
-        <p:nvPicPr>
-          <p:cNvPr id="7" name="Immagine 6">
-            <a:extLst>
-              <a:ext uri="{FF2B5EF4-FFF2-40B4-BE49-F238E27FC236}">
-                <a16:creationId xmlns:a16="http://schemas.microsoft.com/office/drawing/2014/main" id="{F8909EBA-0575-B3AF-50CF-17C9B30D3054}"/>
-              </a:ext>
-            </a:extLst>
-          </p:cNvPr>
-          <p:cNvPicPr>
-            <a:picLocks noChangeAspect="1"/>
-          </p:cNvPicPr>
-          <p:nvPr/>
-        </p:nvPicPr>
-        <p:blipFill>
-          <a:blip r:embed="rId5"/>
-          <a:stretch>
-            <a:fillRect/>
-          </a:stretch>
-        </p:blipFill>
-        <p:spPr>
-          <a:xfrm>
-            <a:off x="3989735" y="460516"/>
-            <a:ext cx="2586621" cy="5018314"/>
-          </a:xfrm>
-          <a:prstGeom prst="rect">
-            <a:avLst/>
-          </a:prstGeom>
-        </p:spPr>
-      </p:pic>
-    </p:spTree>
-    <p:extLst>
-      <p:ext uri="{BB962C8B-B14F-4D97-AF65-F5344CB8AC3E}">
-        <p14:creationId xmlns:p14="http://schemas.microsoft.com/office/powerpoint/2010/main" val="1094268398"/>
       </p:ext>
     </p:extLst>
   </p:cSld>
@@ -11517,6 +11326,220 @@
         </p:nvSpPr>
         <p:spPr>
           <a:xfrm>
+            <a:off x="1044507" y="2767467"/>
+            <a:ext cx="3078513" cy="704292"/>
+          </a:xfrm>
+        </p:spPr>
+        <p:txBody>
+          <a:bodyPr>
+            <a:noAutofit/>
+          </a:bodyPr>
+          <a:lstStyle/>
+          <a:p>
+            <a:r>
+              <a:rPr lang="it-IT" sz="5400" b="1" dirty="0"/>
+              <a:t>Login</a:t>
+            </a:r>
+            <a:endParaRPr lang="it-IT" sz="5400" dirty="0"/>
+          </a:p>
+        </p:txBody>
+      </p:sp>
+      <p:cxnSp>
+        <p:nvCxnSpPr>
+          <p:cNvPr id="5" name="Connettore diritto 4">
+            <a:extLst>
+              <a:ext uri="{FF2B5EF4-FFF2-40B4-BE49-F238E27FC236}">
+                <a16:creationId xmlns:a16="http://schemas.microsoft.com/office/drawing/2014/main" id="{240F784F-B77B-4582-957B-ED7352C25C52}"/>
+              </a:ext>
+            </a:extLst>
+          </p:cNvPr>
+          <p:cNvCxnSpPr/>
+          <p:nvPr/>
+        </p:nvCxnSpPr>
+        <p:spPr>
+          <a:xfrm>
+            <a:off x="3932581" y="793609"/>
+            <a:ext cx="0" cy="4652010"/>
+          </a:xfrm>
+          <a:prstGeom prst="line">
+            <a:avLst/>
+          </a:prstGeom>
+          <a:ln w="12700">
+            <a:solidFill>
+              <a:srgbClr val="404040"/>
+            </a:solidFill>
+          </a:ln>
+        </p:spPr>
+        <p:style>
+          <a:lnRef idx="1">
+            <a:schemeClr val="accent1"/>
+          </a:lnRef>
+          <a:fillRef idx="0">
+            <a:schemeClr val="accent1"/>
+          </a:fillRef>
+          <a:effectRef idx="0">
+            <a:schemeClr val="accent1"/>
+          </a:effectRef>
+          <a:fontRef idx="minor">
+            <a:schemeClr val="tx1"/>
+          </a:fontRef>
+        </p:style>
+      </p:cxnSp>
+      <p:pic>
+        <p:nvPicPr>
+          <p:cNvPr id="11" name="Immagine 10">
+            <a:extLst>
+              <a:ext uri="{FF2B5EF4-FFF2-40B4-BE49-F238E27FC236}">
+                <a16:creationId xmlns:a16="http://schemas.microsoft.com/office/drawing/2014/main" id="{88F0B804-4ED1-4BB2-B250-E5B5681524DA}"/>
+              </a:ext>
+            </a:extLst>
+          </p:cNvPr>
+          <p:cNvPicPr>
+            <a:picLocks noChangeAspect="1"/>
+          </p:cNvPicPr>
+          <p:nvPr/>
+        </p:nvPicPr>
+        <p:blipFill>
+          <a:blip r:embed="rId3">
+            <a:extLst>
+              <a:ext uri="{28A0092B-C50C-407E-A947-70E740481C1C}">
+                <a14:useLocalDpi xmlns:a14="http://schemas.microsoft.com/office/drawing/2010/main" val="0"/>
+              </a:ext>
+            </a:extLst>
+          </a:blip>
+          <a:stretch>
+            <a:fillRect/>
+          </a:stretch>
+        </p:blipFill>
+        <p:spPr>
+          <a:xfrm>
+            <a:off x="10539800" y="4869180"/>
+            <a:ext cx="1940717" cy="1639487"/>
+          </a:xfrm>
+          <a:prstGeom prst="rect">
+            <a:avLst/>
+          </a:prstGeom>
+        </p:spPr>
+      </p:pic>
+      <p:pic>
+        <p:nvPicPr>
+          <p:cNvPr id="4" name="Immagine 3">
+            <a:extLst>
+              <a:ext uri="{FF2B5EF4-FFF2-40B4-BE49-F238E27FC236}">
+                <a16:creationId xmlns:a16="http://schemas.microsoft.com/office/drawing/2014/main" id="{C1C0BC03-B4DD-09F0-5C2F-ABD1BFF16B8E}"/>
+              </a:ext>
+            </a:extLst>
+          </p:cNvPr>
+          <p:cNvPicPr>
+            <a:picLocks noChangeAspect="1"/>
+          </p:cNvPicPr>
+          <p:nvPr/>
+        </p:nvPicPr>
+        <p:blipFill rotWithShape="1">
+          <a:blip r:embed="rId4"/>
+          <a:srcRect l="18828" t="17198" r="19799" b="15667"/>
+          <a:stretch/>
+        </p:blipFill>
+        <p:spPr>
+          <a:xfrm>
+            <a:off x="6610927" y="1574173"/>
+            <a:ext cx="5284486" cy="2791000"/>
+          </a:xfrm>
+          <a:prstGeom prst="rect">
+            <a:avLst/>
+          </a:prstGeom>
+        </p:spPr>
+      </p:pic>
+      <p:pic>
+        <p:nvPicPr>
+          <p:cNvPr id="7" name="Immagine 6">
+            <a:extLst>
+              <a:ext uri="{FF2B5EF4-FFF2-40B4-BE49-F238E27FC236}">
+                <a16:creationId xmlns:a16="http://schemas.microsoft.com/office/drawing/2014/main" id="{F8909EBA-0575-B3AF-50CF-17C9B30D3054}"/>
+              </a:ext>
+            </a:extLst>
+          </p:cNvPr>
+          <p:cNvPicPr>
+            <a:picLocks noChangeAspect="1"/>
+          </p:cNvPicPr>
+          <p:nvPr/>
+        </p:nvPicPr>
+        <p:blipFill>
+          <a:blip r:embed="rId5"/>
+          <a:stretch>
+            <a:fillRect/>
+          </a:stretch>
+        </p:blipFill>
+        <p:spPr>
+          <a:xfrm>
+            <a:off x="3989735" y="460516"/>
+            <a:ext cx="2586621" cy="5018314"/>
+          </a:xfrm>
+          <a:prstGeom prst="rect">
+            <a:avLst/>
+          </a:prstGeom>
+        </p:spPr>
+      </p:pic>
+    </p:spTree>
+    <p:extLst>
+      <p:ext uri="{BB962C8B-B14F-4D97-AF65-F5344CB8AC3E}">
+        <p14:creationId xmlns:p14="http://schemas.microsoft.com/office/powerpoint/2010/main" val="1094268398"/>
+      </p:ext>
+    </p:extLst>
+  </p:cSld>
+  <p:clrMapOvr>
+    <a:masterClrMapping/>
+  </p:clrMapOvr>
+  <mc:AlternateContent xmlns:mc="http://schemas.openxmlformats.org/markup-compatibility/2006" xmlns:p15="http://schemas.microsoft.com/office/powerpoint/2012/main">
+    <mc:Choice Requires="p15">
+      <p:transition xmlns:p14="http://schemas.microsoft.com/office/powerpoint/2010/main" spd="slow" p14:dur="1250">
+        <p15:prstTrans prst="peelOff"/>
+      </p:transition>
+    </mc:Choice>
+    <mc:Fallback xmlns="">
+      <p:transition spd="slow">
+        <p:fade/>
+      </p:transition>
+    </mc:Fallback>
+  </mc:AlternateContent>
+</p:sld>
+</file>
+
+<file path=ppt/slides/slide7.xml><?xml version="1.0" encoding="utf-8"?>
+<p:sld xmlns:a="http://schemas.openxmlformats.org/drawingml/2006/main" xmlns:r="http://schemas.openxmlformats.org/officeDocument/2006/relationships" xmlns:p="http://schemas.openxmlformats.org/presentationml/2006/main">
+  <p:cSld>
+    <p:spTree>
+      <p:nvGrpSpPr>
+        <p:cNvPr id="1" name=""/>
+        <p:cNvGrpSpPr/>
+        <p:nvPr/>
+      </p:nvGrpSpPr>
+      <p:grpSpPr>
+        <a:xfrm>
+          <a:off x="0" y="0"/>
+          <a:ext cx="0" cy="0"/>
+          <a:chOff x="0" y="0"/>
+          <a:chExt cx="0" cy="0"/>
+        </a:xfrm>
+      </p:grpSpPr>
+      <p:sp>
+        <p:nvSpPr>
+          <p:cNvPr id="2" name="Titolo 1">
+            <a:extLst>
+              <a:ext uri="{FF2B5EF4-FFF2-40B4-BE49-F238E27FC236}">
+                <a16:creationId xmlns:a16="http://schemas.microsoft.com/office/drawing/2014/main" id="{EA4C6787-F094-4095-8753-A7EE42D628CA}"/>
+              </a:ext>
+            </a:extLst>
+          </p:cNvPr>
+          <p:cNvSpPr>
+            <a:spLocks noGrp="1"/>
+          </p:cNvSpPr>
+          <p:nvPr>
+            <p:ph type="title" idx="4294967295"/>
+          </p:nvPr>
+        </p:nvSpPr>
+        <p:spPr>
+          <a:xfrm>
             <a:off x="1428266" y="2763953"/>
             <a:ext cx="1896510" cy="886482"/>
           </a:xfrm>
@@ -11811,7 +11834,7 @@
 </p:sld>
 </file>
 
-<file path=ppt/slides/slide7.xml><?xml version="1.0" encoding="utf-8"?>
+<file path=ppt/slides/slide8.xml><?xml version="1.0" encoding="utf-8"?>
 <p:sld xmlns:a="http://schemas.openxmlformats.org/drawingml/2006/main" xmlns:r="http://schemas.openxmlformats.org/officeDocument/2006/relationships" xmlns:p="http://schemas.openxmlformats.org/presentationml/2006/main">
   <p:cSld>
     <p:spTree>
@@ -12129,7 +12152,7 @@
 </p:sld>
 </file>
 
-<file path=ppt/slides/slide8.xml><?xml version="1.0" encoding="utf-8"?>
+<file path=ppt/slides/slide9.xml><?xml version="1.0" encoding="utf-8"?>
 <p:sld xmlns:a="http://schemas.openxmlformats.org/drawingml/2006/main" xmlns:r="http://schemas.openxmlformats.org/officeDocument/2006/relationships" xmlns:p="http://schemas.openxmlformats.org/presentationml/2006/main">
   <p:cSld>
     <p:spTree>
@@ -12407,324 +12430,6 @@
     <p:extLst>
       <p:ext uri="{BB962C8B-B14F-4D97-AF65-F5344CB8AC3E}">
         <p14:creationId xmlns:p14="http://schemas.microsoft.com/office/powerpoint/2010/main" val="708015618"/>
-      </p:ext>
-    </p:extLst>
-  </p:cSld>
-  <p:clrMapOvr>
-    <a:masterClrMapping/>
-  </p:clrMapOvr>
-  <p:transition spd="med">
-    <p:pull/>
-  </p:transition>
-</p:sld>
-</file>
-
-<file path=ppt/slides/slide9.xml><?xml version="1.0" encoding="utf-8"?>
-<p:sld xmlns:a="http://schemas.openxmlformats.org/drawingml/2006/main" xmlns:r="http://schemas.openxmlformats.org/officeDocument/2006/relationships" xmlns:p="http://schemas.openxmlformats.org/presentationml/2006/main">
-  <p:cSld>
-    <p:spTree>
-      <p:nvGrpSpPr>
-        <p:cNvPr id="1" name=""/>
-        <p:cNvGrpSpPr/>
-        <p:nvPr/>
-      </p:nvGrpSpPr>
-      <p:grpSpPr>
-        <a:xfrm>
-          <a:off x="0" y="0"/>
-          <a:ext cx="0" cy="0"/>
-          <a:chOff x="0" y="0"/>
-          <a:chExt cx="0" cy="0"/>
-        </a:xfrm>
-      </p:grpSpPr>
-      <p:sp>
-        <p:nvSpPr>
-          <p:cNvPr id="7" name="Rettangolo con due angoli in diagonale arrotondati 6">
-            <a:extLst>
-              <a:ext uri="{FF2B5EF4-FFF2-40B4-BE49-F238E27FC236}">
-                <a16:creationId xmlns:a16="http://schemas.microsoft.com/office/drawing/2014/main" id="{A46B035A-8FB8-47AB-923E-1A5757D1991E}"/>
-              </a:ext>
-            </a:extLst>
-          </p:cNvPr>
-          <p:cNvSpPr/>
-          <p:nvPr/>
-        </p:nvSpPr>
-        <p:spPr>
-          <a:xfrm>
-            <a:off x="164199" y="2616714"/>
-            <a:ext cx="1258292" cy="1264069"/>
-          </a:xfrm>
-          <a:prstGeom prst="round2DiagRect">
-            <a:avLst>
-              <a:gd name="adj1" fmla="val 29727"/>
-              <a:gd name="adj2" fmla="val 0"/>
-            </a:avLst>
-          </a:prstGeom>
-          <a:solidFill>
-            <a:srgbClr val="C82A1E"/>
-          </a:solidFill>
-        </p:spPr>
-        <p:style>
-          <a:lnRef idx="0">
-            <a:schemeClr val="lt1">
-              <a:alpha val="0"/>
-              <a:hueOff val="0"/>
-              <a:satOff val="0"/>
-              <a:lumOff val="0"/>
-              <a:alphaOff val="0"/>
-            </a:schemeClr>
-          </a:lnRef>
-          <a:fillRef idx="1">
-            <a:scrgbClr r="0" g="0" b="0"/>
-          </a:fillRef>
-          <a:effectRef idx="0">
-            <a:schemeClr val="accent5">
-              <a:hueOff val="0"/>
-              <a:satOff val="0"/>
-              <a:lumOff val="0"/>
-              <a:alphaOff val="0"/>
-            </a:schemeClr>
-          </a:effectRef>
-          <a:fontRef idx="minor"/>
-        </p:style>
-      </p:sp>
-      <p:sp>
-        <p:nvSpPr>
-          <p:cNvPr id="2" name="Titolo 1">
-            <a:extLst>
-              <a:ext uri="{FF2B5EF4-FFF2-40B4-BE49-F238E27FC236}">
-                <a16:creationId xmlns:a16="http://schemas.microsoft.com/office/drawing/2014/main" id="{EA4C6787-F094-4095-8753-A7EE42D628CA}"/>
-              </a:ext>
-            </a:extLst>
-          </p:cNvPr>
-          <p:cNvSpPr>
-            <a:spLocks noGrp="1"/>
-          </p:cNvSpPr>
-          <p:nvPr>
-            <p:ph type="title" idx="4294967295"/>
-          </p:nvPr>
-        </p:nvSpPr>
-        <p:spPr>
-          <a:xfrm>
-            <a:off x="1426456" y="2162003"/>
-            <a:ext cx="2756807" cy="1449387"/>
-          </a:xfrm>
-        </p:spPr>
-        <p:txBody>
-          <a:bodyPr/>
-          <a:lstStyle/>
-          <a:p>
-            <a:r>
-              <a:rPr lang="it-IT" sz="5400" b="1" dirty="0"/>
-              <a:t>Aggiungi</a:t>
-            </a:r>
-            <a:endParaRPr lang="it-IT" dirty="0"/>
-          </a:p>
-        </p:txBody>
-      </p:sp>
-      <p:cxnSp>
-        <p:nvCxnSpPr>
-          <p:cNvPr id="5" name="Connettore diritto 4">
-            <a:extLst>
-              <a:ext uri="{FF2B5EF4-FFF2-40B4-BE49-F238E27FC236}">
-                <a16:creationId xmlns:a16="http://schemas.microsoft.com/office/drawing/2014/main" id="{240F784F-B77B-4582-957B-ED7352C25C52}"/>
-              </a:ext>
-            </a:extLst>
-          </p:cNvPr>
-          <p:cNvCxnSpPr/>
-          <p:nvPr/>
-        </p:nvCxnSpPr>
-        <p:spPr>
-          <a:xfrm>
-            <a:off x="3932581" y="793609"/>
-            <a:ext cx="0" cy="4652010"/>
-          </a:xfrm>
-          <a:prstGeom prst="line">
-            <a:avLst/>
-          </a:prstGeom>
-          <a:ln w="12700">
-            <a:solidFill>
-              <a:srgbClr val="404040"/>
-            </a:solidFill>
-          </a:ln>
-        </p:spPr>
-        <p:style>
-          <a:lnRef idx="1">
-            <a:schemeClr val="accent1"/>
-          </a:lnRef>
-          <a:fillRef idx="0">
-            <a:schemeClr val="accent1"/>
-          </a:fillRef>
-          <a:effectRef idx="0">
-            <a:schemeClr val="accent1"/>
-          </a:effectRef>
-          <a:fontRef idx="minor">
-            <a:schemeClr val="tx1"/>
-          </a:fontRef>
-        </p:style>
-      </p:cxnSp>
-      <p:sp>
-        <p:nvSpPr>
-          <p:cNvPr id="8" name="Rettangolo 7" descr="Aggiungere">
-            <a:extLst>
-              <a:ext uri="{FF2B5EF4-FFF2-40B4-BE49-F238E27FC236}">
-                <a16:creationId xmlns:a16="http://schemas.microsoft.com/office/drawing/2014/main" id="{55F8242F-AF95-4AF5-AF62-019C93463B00}"/>
-              </a:ext>
-            </a:extLst>
-          </p:cNvPr>
-          <p:cNvSpPr/>
-          <p:nvPr/>
-        </p:nvSpPr>
-        <p:spPr>
-          <a:xfrm>
-            <a:off x="430702" y="2886105"/>
-            <a:ext cx="725285" cy="725285"/>
-          </a:xfrm>
-          <a:prstGeom prst="rect">
-            <a:avLst/>
-          </a:prstGeom>
-          <a:blipFill>
-            <a:blip r:embed="rId3">
-              <a:extLst>
-                <a:ext uri="{28A0092B-C50C-407E-A947-70E740481C1C}">
-                  <a14:useLocalDpi xmlns:a14="http://schemas.microsoft.com/office/drawing/2010/main" val="0"/>
-                </a:ext>
-                <a:ext uri="{96DAC541-7B7A-43D3-8B79-37D633B846F1}">
-                  <asvg:svgBlip xmlns:asvg="http://schemas.microsoft.com/office/drawing/2016/SVG/main" r:embed="rId4"/>
-                </a:ext>
-              </a:extLst>
-            </a:blip>
-            <a:stretch>
-              <a:fillRect/>
-            </a:stretch>
-          </a:blipFill>
-          <a:ln>
-            <a:noFill/>
-          </a:ln>
-        </p:spPr>
-        <p:style>
-          <a:lnRef idx="2">
-            <a:scrgbClr r="0" g="0" b="0"/>
-          </a:lnRef>
-          <a:fillRef idx="1">
-            <a:scrgbClr r="0" g="0" b="0"/>
-          </a:fillRef>
-          <a:effectRef idx="0">
-            <a:schemeClr val="bg1">
-              <a:hueOff val="0"/>
-              <a:satOff val="0"/>
-              <a:lumOff val="0"/>
-              <a:alphaOff val="0"/>
-            </a:schemeClr>
-          </a:effectRef>
-          <a:fontRef idx="minor">
-            <a:schemeClr val="dk1">
-              <a:hueOff val="0"/>
-              <a:satOff val="0"/>
-              <a:lumOff val="0"/>
-              <a:alphaOff val="0"/>
-            </a:schemeClr>
-          </a:fontRef>
-        </p:style>
-      </p:sp>
-      <p:pic>
-        <p:nvPicPr>
-          <p:cNvPr id="11" name="Immagine 10">
-            <a:extLst>
-              <a:ext uri="{FF2B5EF4-FFF2-40B4-BE49-F238E27FC236}">
-                <a16:creationId xmlns:a16="http://schemas.microsoft.com/office/drawing/2014/main" id="{88F0B804-4ED1-4BB2-B250-E5B5681524DA}"/>
-              </a:ext>
-            </a:extLst>
-          </p:cNvPr>
-          <p:cNvPicPr>
-            <a:picLocks noChangeAspect="1"/>
-          </p:cNvPicPr>
-          <p:nvPr/>
-        </p:nvPicPr>
-        <p:blipFill>
-          <a:blip r:embed="rId5">
-            <a:extLst>
-              <a:ext uri="{28A0092B-C50C-407E-A947-70E740481C1C}">
-                <a14:useLocalDpi xmlns:a14="http://schemas.microsoft.com/office/drawing/2010/main" val="0"/>
-              </a:ext>
-            </a:extLst>
-          </a:blip>
-          <a:stretch>
-            <a:fillRect/>
-          </a:stretch>
-        </p:blipFill>
-        <p:spPr>
-          <a:xfrm>
-            <a:off x="10539800" y="4869180"/>
-            <a:ext cx="1940717" cy="1639487"/>
-          </a:xfrm>
-          <a:prstGeom prst="rect">
-            <a:avLst/>
-          </a:prstGeom>
-        </p:spPr>
-      </p:pic>
-      <p:pic>
-        <p:nvPicPr>
-          <p:cNvPr id="4" name="Immagine 3">
-            <a:extLst>
-              <a:ext uri="{FF2B5EF4-FFF2-40B4-BE49-F238E27FC236}">
-                <a16:creationId xmlns:a16="http://schemas.microsoft.com/office/drawing/2014/main" id="{EE714DDE-80A1-1AD6-B7D1-4F555A660204}"/>
-              </a:ext>
-            </a:extLst>
-          </p:cNvPr>
-          <p:cNvPicPr>
-            <a:picLocks noChangeAspect="1"/>
-          </p:cNvPicPr>
-          <p:nvPr/>
-        </p:nvPicPr>
-        <p:blipFill>
-          <a:blip r:embed="rId6"/>
-          <a:stretch>
-            <a:fillRect/>
-          </a:stretch>
-        </p:blipFill>
-        <p:spPr>
-          <a:xfrm>
-            <a:off x="6756221" y="1763487"/>
-            <a:ext cx="5174521" cy="2503714"/>
-          </a:xfrm>
-          <a:prstGeom prst="rect">
-            <a:avLst/>
-          </a:prstGeom>
-        </p:spPr>
-      </p:pic>
-      <p:pic>
-        <p:nvPicPr>
-          <p:cNvPr id="9" name="Immagine 8">
-            <a:extLst>
-              <a:ext uri="{FF2B5EF4-FFF2-40B4-BE49-F238E27FC236}">
-                <a16:creationId xmlns:a16="http://schemas.microsoft.com/office/drawing/2014/main" id="{E1A64BF8-6630-3142-A5E1-01341D6B4C93}"/>
-              </a:ext>
-            </a:extLst>
-          </p:cNvPr>
-          <p:cNvPicPr>
-            <a:picLocks noChangeAspect="1"/>
-          </p:cNvPicPr>
-          <p:nvPr/>
-        </p:nvPicPr>
-        <p:blipFill rotWithShape="1">
-          <a:blip r:embed="rId7"/>
-          <a:srcRect l="1631" t="174" b="1387"/>
-          <a:stretch/>
-        </p:blipFill>
-        <p:spPr>
-          <a:xfrm>
-            <a:off x="4077763" y="608610"/>
-            <a:ext cx="2427415" cy="5302333"/>
-          </a:xfrm>
-          <a:prstGeom prst="rect">
-            <a:avLst/>
-          </a:prstGeom>
-        </p:spPr>
-      </p:pic>
-    </p:spTree>
-    <p:extLst>
-      <p:ext uri="{BB962C8B-B14F-4D97-AF65-F5344CB8AC3E}">
-        <p14:creationId xmlns:p14="http://schemas.microsoft.com/office/powerpoint/2010/main" val="2267529236"/>
       </p:ext>
     </p:extLst>
   </p:cSld>
@@ -13611,6 +13316,15 @@
 </file>
 
 <file path=customXml/item1.xml><?xml version="1.0" encoding="utf-8"?>
+<?mso-contentType ?>
+<FormTemplates xmlns="http://schemas.microsoft.com/sharepoint/v3/contenttype/forms">
+  <Display>DocumentLibraryForm</Display>
+  <Edit>DocumentLibraryForm</Edit>
+  <New>DocumentLibraryForm</New>
+</FormTemplates>
+</file>
+
+<file path=customXml/item2.xml><?xml version="1.0" encoding="utf-8"?>
 <p:properties xmlns:p="http://schemas.microsoft.com/office/2006/metadata/properties" xmlns:xsi="http://www.w3.org/2001/XMLSchema-instance" xmlns:pc="http://schemas.microsoft.com/office/infopath/2007/PartnerControls">
   <documentManagement>
     <_ip_UnifiedCompliancePolicyUIAction xmlns="http://schemas.microsoft.com/sharepoint/v3" xsi:nil="true"/>
@@ -13627,15 +13341,6 @@
     <MediaServiceKeyPoints xmlns="71af3243-3dd4-4a8d-8c0d-dd76da1f02a5" xsi:nil="true"/>
   </documentManagement>
 </p:properties>
-</file>
-
-<file path=customXml/item2.xml><?xml version="1.0" encoding="utf-8"?>
-<?mso-contentType ?>
-<FormTemplates xmlns="http://schemas.microsoft.com/sharepoint/v3/contenttype/forms">
-  <Display>DocumentLibraryForm</Display>
-  <Edit>DocumentLibraryForm</Edit>
-  <New>DocumentLibraryForm</New>
-</FormTemplates>
 </file>
 
 <file path=customXml/item3.xml><?xml version="1.0" encoding="utf-8"?>
@@ -13915,6 +13620,14 @@
 </file>
 
 <file path=customXml/itemProps1.xml><?xml version="1.0" encoding="utf-8"?>
+<ds:datastoreItem xmlns:ds="http://schemas.openxmlformats.org/officeDocument/2006/customXml" ds:itemID="{2D446390-8521-40A2-A462-EA068123BED9}">
+  <ds:schemaRefs>
+    <ds:schemaRef ds:uri="http://schemas.microsoft.com/sharepoint/v3/contenttype/forms"/>
+  </ds:schemaRefs>
+</ds:datastoreItem>
+</file>
+
+<file path=customXml/itemProps2.xml><?xml version="1.0" encoding="utf-8"?>
 <ds:datastoreItem xmlns:ds="http://schemas.openxmlformats.org/officeDocument/2006/customXml" ds:itemID="{B5BA3906-9696-4247-AC0D-DD5C26B2A70A}">
   <ds:schemaRefs>
     <ds:schemaRef ds:uri="http://schemas.microsoft.com/office/2006/metadata/properties"/>
@@ -13922,14 +13635,6 @@
     <ds:schemaRef ds:uri="http://schemas.microsoft.com/sharepoint/v3"/>
     <ds:schemaRef ds:uri="71af3243-3dd4-4a8d-8c0d-dd76da1f02a5"/>
     <ds:schemaRef ds:uri="230e9df3-be65-4c73-a93b-d1236ebd677e"/>
-  </ds:schemaRefs>
-</ds:datastoreItem>
-</file>
-
-<file path=customXml/itemProps2.xml><?xml version="1.0" encoding="utf-8"?>
-<ds:datastoreItem xmlns:ds="http://schemas.openxmlformats.org/officeDocument/2006/customXml" ds:itemID="{2D446390-8521-40A2-A462-EA068123BED9}">
-  <ds:schemaRefs>
-    <ds:schemaRef ds:uri="http://schemas.microsoft.com/sharepoint/v3/contenttype/forms"/>
   </ds:schemaRefs>
 </ds:datastoreItem>
 </file>

--- a/presentazione/presentazione_hypebest2.pptx
+++ b/presentazione/presentazione_hypebest2.pptx
@@ -3513,7 +3513,7 @@
             <a:pPr rtl="0"/>
             <a:fld id="{908252B0-110B-41C3-A919-378EF57AC5F3}" type="datetime1">
               <a:rPr lang="it-IT" smtClean="0"/>
-              <a:t>25/05/2022</a:t>
+              <a:t>26/05/2022</a:t>
             </a:fld>
             <a:endParaRPr lang="it-IT"/>
           </a:p>
@@ -3695,7 +3695,7 @@
             <a:fld id="{E91A8072-AB5C-401E-9F2D-ADB45AE59072}" type="datetime1">
               <a:rPr lang="it-IT" smtClean="0"/>
               <a:pPr/>
-              <a:t>25/05/2022</a:t>
+              <a:t>26/05/2022</a:t>
             </a:fld>
             <a:endParaRPr lang="it-IT" dirty="0"/>
           </a:p>
@@ -5948,7 +5948,7 @@
             <a:fld id="{B61BEF0D-F0BB-DE4B-95CE-6DB70DBA9567}" type="datetimeFigureOut">
               <a:rPr lang="en-US" smtClean="0"/>
               <a:pPr/>
-              <a:t>5/25/2022</a:t>
+              <a:t>5/26/2022</a:t>
             </a:fld>
             <a:endParaRPr lang="en-US" dirty="0"/>
           </a:p>
@@ -10519,12 +10519,20 @@
           <a:p>
             <a:pPr algn="ctr"/>
             <a:r>
+              <a:rPr lang="it-IT" sz="3200" dirty="0" err="1">
+                <a:solidFill>
+                  <a:srgbClr val="404040"/>
+                </a:solidFill>
+              </a:rPr>
+              <a:t>HypeBest</a:t>
+            </a:r>
+            <a:r>
               <a:rPr lang="it-IT" sz="3200" dirty="0">
                 <a:solidFill>
                   <a:srgbClr val="404040"/>
                 </a:solidFill>
               </a:rPr>
-              <a:t>HypeBest è un’applicazione che permette agli utenti di trovare ispirazione nella creazione del proprio outfit. </a:t>
+              <a:t> è un sito web che permette agli utenti di trovare ispirazione nella creazione del proprio outfit. </a:t>
             </a:r>
           </a:p>
           <a:p>
@@ -10693,7 +10701,7 @@
                   <a:srgbClr val="404040"/>
                 </a:solidFill>
               </a:rPr>
-              <a:t>Cercando un capo d’abbigliamento</a:t>
+              <a:t>Cercando utenti</a:t>
             </a:r>
           </a:p>
           <a:p>
@@ -13316,15 +13324,6 @@
 </file>
 
 <file path=customXml/item1.xml><?xml version="1.0" encoding="utf-8"?>
-<?mso-contentType ?>
-<FormTemplates xmlns="http://schemas.microsoft.com/sharepoint/v3/contenttype/forms">
-  <Display>DocumentLibraryForm</Display>
-  <Edit>DocumentLibraryForm</Edit>
-  <New>DocumentLibraryForm</New>
-</FormTemplates>
-</file>
-
-<file path=customXml/item2.xml><?xml version="1.0" encoding="utf-8"?>
 <p:properties xmlns:p="http://schemas.microsoft.com/office/2006/metadata/properties" xmlns:xsi="http://www.w3.org/2001/XMLSchema-instance" xmlns:pc="http://schemas.microsoft.com/office/infopath/2007/PartnerControls">
   <documentManagement>
     <_ip_UnifiedCompliancePolicyUIAction xmlns="http://schemas.microsoft.com/sharepoint/v3" xsi:nil="true"/>
@@ -13341,6 +13340,15 @@
     <MediaServiceKeyPoints xmlns="71af3243-3dd4-4a8d-8c0d-dd76da1f02a5" xsi:nil="true"/>
   </documentManagement>
 </p:properties>
+</file>
+
+<file path=customXml/item2.xml><?xml version="1.0" encoding="utf-8"?>
+<?mso-contentType ?>
+<FormTemplates xmlns="http://schemas.microsoft.com/sharepoint/v3/contenttype/forms">
+  <Display>DocumentLibraryForm</Display>
+  <Edit>DocumentLibraryForm</Edit>
+  <New>DocumentLibraryForm</New>
+</FormTemplates>
 </file>
 
 <file path=customXml/item3.xml><?xml version="1.0" encoding="utf-8"?>
@@ -13620,14 +13628,6 @@
 </file>
 
 <file path=customXml/itemProps1.xml><?xml version="1.0" encoding="utf-8"?>
-<ds:datastoreItem xmlns:ds="http://schemas.openxmlformats.org/officeDocument/2006/customXml" ds:itemID="{2D446390-8521-40A2-A462-EA068123BED9}">
-  <ds:schemaRefs>
-    <ds:schemaRef ds:uri="http://schemas.microsoft.com/sharepoint/v3/contenttype/forms"/>
-  </ds:schemaRefs>
-</ds:datastoreItem>
-</file>
-
-<file path=customXml/itemProps2.xml><?xml version="1.0" encoding="utf-8"?>
 <ds:datastoreItem xmlns:ds="http://schemas.openxmlformats.org/officeDocument/2006/customXml" ds:itemID="{B5BA3906-9696-4247-AC0D-DD5C26B2A70A}">
   <ds:schemaRefs>
     <ds:schemaRef ds:uri="http://schemas.microsoft.com/office/2006/metadata/properties"/>
@@ -13635,6 +13635,14 @@
     <ds:schemaRef ds:uri="http://schemas.microsoft.com/sharepoint/v3"/>
     <ds:schemaRef ds:uri="71af3243-3dd4-4a8d-8c0d-dd76da1f02a5"/>
     <ds:schemaRef ds:uri="230e9df3-be65-4c73-a93b-d1236ebd677e"/>
+  </ds:schemaRefs>
+</ds:datastoreItem>
+</file>
+
+<file path=customXml/itemProps2.xml><?xml version="1.0" encoding="utf-8"?>
+<ds:datastoreItem xmlns:ds="http://schemas.openxmlformats.org/officeDocument/2006/customXml" ds:itemID="{2D446390-8521-40A2-A462-EA068123BED9}">
+  <ds:schemaRefs>
+    <ds:schemaRef ds:uri="http://schemas.microsoft.com/sharepoint/v3/contenttype/forms"/>
   </ds:schemaRefs>
 </ds:datastoreItem>
 </file>
